--- a/documenten/Presentatie8.pptx
+++ b/documenten/Presentatie8.pptx
@@ -8,6 +8,10 @@
     <p:sldId id="262" r:id="rId2"/>
     <p:sldId id="264" r:id="rId3"/>
     <p:sldId id="265" r:id="rId4"/>
+    <p:sldId id="267" r:id="rId5"/>
+    <p:sldId id="268" r:id="rId6"/>
+    <p:sldId id="269" r:id="rId7"/>
+    <p:sldId id="270" r:id="rId8"/>
   </p:sldIdLst>
   <p:sldSz cx="12192000" cy="6858000"/>
   <p:notesSz cx="6858000" cy="9144000"/>
@@ -384,7 +388,7 @@
           <a:p>
             <a:fld id="{4CD814C8-F66B-4915-9FEC-D62A1DED085F}" type="slidenum">
               <a:rPr lang="de-DE" smtClean="0"/>
-              <a:t>‹nr.›</a:t>
+              <a:t>‹#›</a:t>
             </a:fld>
             <a:endParaRPr lang="de-DE"/>
           </a:p>
@@ -554,7 +558,7 @@
           <a:p>
             <a:fld id="{4CD814C8-F66B-4915-9FEC-D62A1DED085F}" type="slidenum">
               <a:rPr lang="de-DE" smtClean="0"/>
-              <a:t>‹nr.›</a:t>
+              <a:t>‹#›</a:t>
             </a:fld>
             <a:endParaRPr lang="de-DE"/>
           </a:p>
@@ -734,7 +738,7 @@
           <a:p>
             <a:fld id="{4CD814C8-F66B-4915-9FEC-D62A1DED085F}" type="slidenum">
               <a:rPr lang="de-DE" smtClean="0"/>
-              <a:t>‹nr.›</a:t>
+              <a:t>‹#›</a:t>
             </a:fld>
             <a:endParaRPr lang="de-DE"/>
           </a:p>
@@ -904,7 +908,7 @@
           <a:p>
             <a:fld id="{4CD814C8-F66B-4915-9FEC-D62A1DED085F}" type="slidenum">
               <a:rPr lang="de-DE" smtClean="0"/>
-              <a:t>‹nr.›</a:t>
+              <a:t>‹#›</a:t>
             </a:fld>
             <a:endParaRPr lang="de-DE"/>
           </a:p>
@@ -1150,7 +1154,7 @@
           <a:p>
             <a:fld id="{4CD814C8-F66B-4915-9FEC-D62A1DED085F}" type="slidenum">
               <a:rPr lang="de-DE" smtClean="0"/>
-              <a:t>‹nr.›</a:t>
+              <a:t>‹#›</a:t>
             </a:fld>
             <a:endParaRPr lang="de-DE"/>
           </a:p>
@@ -1382,7 +1386,7 @@
           <a:p>
             <a:fld id="{4CD814C8-F66B-4915-9FEC-D62A1DED085F}" type="slidenum">
               <a:rPr lang="de-DE" smtClean="0"/>
-              <a:t>‹nr.›</a:t>
+              <a:t>‹#›</a:t>
             </a:fld>
             <a:endParaRPr lang="de-DE"/>
           </a:p>
@@ -1749,7 +1753,7 @@
           <a:p>
             <a:fld id="{4CD814C8-F66B-4915-9FEC-D62A1DED085F}" type="slidenum">
               <a:rPr lang="de-DE" smtClean="0"/>
-              <a:t>‹nr.›</a:t>
+              <a:t>‹#›</a:t>
             </a:fld>
             <a:endParaRPr lang="de-DE"/>
           </a:p>
@@ -1867,7 +1871,7 @@
           <a:p>
             <a:fld id="{4CD814C8-F66B-4915-9FEC-D62A1DED085F}" type="slidenum">
               <a:rPr lang="de-DE" smtClean="0"/>
-              <a:t>‹nr.›</a:t>
+              <a:t>‹#›</a:t>
             </a:fld>
             <a:endParaRPr lang="de-DE"/>
           </a:p>
@@ -1962,7 +1966,7 @@
           <a:p>
             <a:fld id="{4CD814C8-F66B-4915-9FEC-D62A1DED085F}" type="slidenum">
               <a:rPr lang="de-DE" smtClean="0"/>
-              <a:t>‹nr.›</a:t>
+              <a:t>‹#›</a:t>
             </a:fld>
             <a:endParaRPr lang="de-DE"/>
           </a:p>
@@ -2239,7 +2243,7 @@
           <a:p>
             <a:fld id="{4CD814C8-F66B-4915-9FEC-D62A1DED085F}" type="slidenum">
               <a:rPr lang="de-DE" smtClean="0"/>
-              <a:t>‹nr.›</a:t>
+              <a:t>‹#›</a:t>
             </a:fld>
             <a:endParaRPr lang="de-DE"/>
           </a:p>
@@ -2492,7 +2496,7 @@
           <a:p>
             <a:fld id="{4CD814C8-F66B-4915-9FEC-D62A1DED085F}" type="slidenum">
               <a:rPr lang="de-DE" smtClean="0"/>
-              <a:t>‹nr.›</a:t>
+              <a:t>‹#›</a:t>
             </a:fld>
             <a:endParaRPr lang="de-DE"/>
           </a:p>
@@ -2741,7 +2745,7 @@
           <a:p>
             <a:fld id="{4CD814C8-F66B-4915-9FEC-D62A1DED085F}" type="slidenum">
               <a:rPr lang="de-DE" smtClean="0"/>
-              <a:t>‹nr.›</a:t>
+              <a:t>‹#›</a:t>
             </a:fld>
             <a:endParaRPr lang="de-DE"/>
           </a:p>
@@ -5893,6 +5897,3002 @@
 </p:sld>
 </file>
 
+<file path=ppt/slides/slide4.xml><?xml version="1.0" encoding="utf-8"?>
+<p:sld xmlns:a="http://schemas.openxmlformats.org/drawingml/2006/main" xmlns:r="http://schemas.openxmlformats.org/officeDocument/2006/relationships" xmlns:p="http://schemas.openxmlformats.org/presentationml/2006/main">
+  <p:cSld>
+    <p:spTree>
+      <p:nvGrpSpPr>
+        <p:cNvPr id="1" name=""/>
+        <p:cNvGrpSpPr/>
+        <p:nvPr/>
+      </p:nvGrpSpPr>
+      <p:grpSpPr>
+        <a:xfrm>
+          <a:off x="0" y="0"/>
+          <a:ext cx="0" cy="0"/>
+          <a:chOff x="0" y="0"/>
+          <a:chExt cx="0" cy="0"/>
+        </a:xfrm>
+      </p:grpSpPr>
+      <p:sp>
+        <p:nvSpPr>
+          <p:cNvPr id="2" name="Title 1">
+            <a:extLst>
+              <a:ext uri="{FF2B5EF4-FFF2-40B4-BE49-F238E27FC236}">
+                <a16:creationId xmlns:a16="http://schemas.microsoft.com/office/drawing/2014/main" id="{56FD92DD-5104-469D-2A3F-04004AB8B40A}"/>
+              </a:ext>
+            </a:extLst>
+          </p:cNvPr>
+          <p:cNvSpPr>
+            <a:spLocks noGrp="1"/>
+          </p:cNvSpPr>
+          <p:nvPr>
+            <p:ph type="title"/>
+          </p:nvPr>
+        </p:nvSpPr>
+        <p:spPr/>
+        <p:txBody>
+          <a:bodyPr/>
+          <a:lstStyle/>
+          <a:p>
+            <a:endParaRPr lang="LID4096"/>
+          </a:p>
+        </p:txBody>
+      </p:sp>
+      <p:sp>
+        <p:nvSpPr>
+          <p:cNvPr id="3" name="Content Placeholder 2">
+            <a:extLst>
+              <a:ext uri="{FF2B5EF4-FFF2-40B4-BE49-F238E27FC236}">
+                <a16:creationId xmlns:a16="http://schemas.microsoft.com/office/drawing/2014/main" id="{8DB816E4-E8F2-27E0-9676-EF5B4018DA50}"/>
+              </a:ext>
+            </a:extLst>
+          </p:cNvPr>
+          <p:cNvSpPr>
+            <a:spLocks noGrp="1"/>
+          </p:cNvSpPr>
+          <p:nvPr>
+            <p:ph idx="1"/>
+          </p:nvPr>
+        </p:nvSpPr>
+        <p:spPr/>
+        <p:txBody>
+          <a:bodyPr/>
+          <a:lstStyle/>
+          <a:p>
+            <a:endParaRPr lang="LID4096"/>
+          </a:p>
+        </p:txBody>
+      </p:sp>
+    </p:spTree>
+    <p:extLst>
+      <p:ext uri="{BB962C8B-B14F-4D97-AF65-F5344CB8AC3E}">
+        <p14:creationId xmlns:p14="http://schemas.microsoft.com/office/powerpoint/2010/main" val="1077234582"/>
+      </p:ext>
+    </p:extLst>
+  </p:cSld>
+  <p:clrMapOvr>
+    <a:masterClrMapping/>
+  </p:clrMapOvr>
+</p:sld>
+</file>
+
+<file path=ppt/slides/slide5.xml><?xml version="1.0" encoding="utf-8"?>
+<p:sld xmlns:a="http://schemas.openxmlformats.org/drawingml/2006/main" xmlns:r="http://schemas.openxmlformats.org/officeDocument/2006/relationships" xmlns:p="http://schemas.openxmlformats.org/presentationml/2006/main">
+  <p:cSld>
+    <p:spTree>
+      <p:nvGrpSpPr>
+        <p:cNvPr id="1" name=""/>
+        <p:cNvGrpSpPr/>
+        <p:nvPr/>
+      </p:nvGrpSpPr>
+      <p:grpSpPr>
+        <a:xfrm>
+          <a:off x="0" y="0"/>
+          <a:ext cx="0" cy="0"/>
+          <a:chOff x="0" y="0"/>
+          <a:chExt cx="0" cy="0"/>
+        </a:xfrm>
+      </p:grpSpPr>
+      <p:sp>
+        <p:nvSpPr>
+          <p:cNvPr id="2" name="Titel 1">
+            <a:extLst>
+              <a:ext uri="{FF2B5EF4-FFF2-40B4-BE49-F238E27FC236}">
+                <a16:creationId xmlns:a16="http://schemas.microsoft.com/office/drawing/2014/main" id="{0F0B3A1C-8C51-4740-81E6-25580284077A}"/>
+              </a:ext>
+            </a:extLst>
+          </p:cNvPr>
+          <p:cNvSpPr>
+            <a:spLocks noGrp="1"/>
+          </p:cNvSpPr>
+          <p:nvPr>
+            <p:ph type="title"/>
+          </p:nvPr>
+        </p:nvSpPr>
+        <p:spPr>
+          <a:xfrm>
+            <a:off x="756091" y="452086"/>
+            <a:ext cx="8596668" cy="1320800"/>
+          </a:xfrm>
+        </p:spPr>
+        <p:txBody>
+          <a:bodyPr/>
+          <a:lstStyle/>
+          <a:p>
+            <a:endParaRPr lang="nl-NL" dirty="0"/>
+          </a:p>
+        </p:txBody>
+      </p:sp>
+      <p:graphicFrame>
+        <p:nvGraphicFramePr>
+          <p:cNvPr id="6" name="Tijdelijke aanduiding voor inhoud 5">
+            <a:extLst>
+              <a:ext uri="{FF2B5EF4-FFF2-40B4-BE49-F238E27FC236}">
+                <a16:creationId xmlns:a16="http://schemas.microsoft.com/office/drawing/2014/main" id="{BDCC85D0-5AF5-45FD-B8FD-C4B0A1DC91F7}"/>
+              </a:ext>
+            </a:extLst>
+          </p:cNvPr>
+          <p:cNvGraphicFramePr>
+            <a:graphicFrameLocks noGrp="1"/>
+          </p:cNvGraphicFramePr>
+          <p:nvPr>
+            <p:ph idx="1"/>
+            <p:extLst>
+              <p:ext uri="{D42A27DB-BD31-4B8C-83A1-F6EECF244321}">
+                <p14:modId xmlns:p14="http://schemas.microsoft.com/office/powerpoint/2010/main" val="2951160370"/>
+              </p:ext>
+            </p:extLst>
+          </p:nvPr>
+        </p:nvGraphicFramePr>
+        <p:xfrm>
+          <a:off x="0" y="0"/>
+          <a:ext cx="12191993" cy="5715000"/>
+        </p:xfrm>
+        <a:graphic>
+          <a:graphicData uri="http://schemas.openxmlformats.org/drawingml/2006/table">
+            <a:tbl>
+              <a:tblPr firstRow="1" firstCol="1" lastRow="1" lastCol="1" bandRow="1" bandCol="1">
+                <a:tableStyleId>{5C22544A-7EE6-4342-B048-85BDC9FD1C3A}</a:tableStyleId>
+              </a:tblPr>
+              <a:tblGrid>
+                <a:gridCol w="2449285">
+                  <a:extLst>
+                    <a:ext uri="{9D8B030D-6E8A-4147-A177-3AD203B41FA5}">
+                      <a16:colId xmlns:a16="http://schemas.microsoft.com/office/drawing/2014/main" val="637731259"/>
+                    </a:ext>
+                  </a:extLst>
+                </a:gridCol>
+                <a:gridCol w="1103462">
+                  <a:extLst>
+                    <a:ext uri="{9D8B030D-6E8A-4147-A177-3AD203B41FA5}">
+                      <a16:colId xmlns:a16="http://schemas.microsoft.com/office/drawing/2014/main" val="3621273301"/>
+                    </a:ext>
+                  </a:extLst>
+                </a:gridCol>
+                <a:gridCol w="1955595">
+                  <a:extLst>
+                    <a:ext uri="{9D8B030D-6E8A-4147-A177-3AD203B41FA5}">
+                      <a16:colId xmlns:a16="http://schemas.microsoft.com/office/drawing/2014/main" val="3261718528"/>
+                    </a:ext>
+                  </a:extLst>
+                </a:gridCol>
+                <a:gridCol w="1363064">
+                  <a:extLst>
+                    <a:ext uri="{9D8B030D-6E8A-4147-A177-3AD203B41FA5}">
+                      <a16:colId xmlns:a16="http://schemas.microsoft.com/office/drawing/2014/main" val="3580709575"/>
+                    </a:ext>
+                  </a:extLst>
+                </a:gridCol>
+                <a:gridCol w="2204314">
+                  <a:extLst>
+                    <a:ext uri="{9D8B030D-6E8A-4147-A177-3AD203B41FA5}">
+                      <a16:colId xmlns:a16="http://schemas.microsoft.com/office/drawing/2014/main" val="2998393212"/>
+                    </a:ext>
+                  </a:extLst>
+                </a:gridCol>
+                <a:gridCol w="882699">
+                  <a:extLst>
+                    <a:ext uri="{9D8B030D-6E8A-4147-A177-3AD203B41FA5}">
+                      <a16:colId xmlns:a16="http://schemas.microsoft.com/office/drawing/2014/main" val="3931386789"/>
+                    </a:ext>
+                  </a:extLst>
+                </a:gridCol>
+                <a:gridCol w="2233574">
+                  <a:extLst>
+                    <a:ext uri="{9D8B030D-6E8A-4147-A177-3AD203B41FA5}">
+                      <a16:colId xmlns:a16="http://schemas.microsoft.com/office/drawing/2014/main" val="2456682271"/>
+                    </a:ext>
+                  </a:extLst>
+                </a:gridCol>
+              </a:tblGrid>
+              <a:tr h="1143000">
+                <a:tc>
+                  <a:txBody>
+                    <a:bodyPr/>
+                    <a:lstStyle/>
+                    <a:p>
+                      <a:pPr>
+                        <a:lnSpc>
+                          <a:spcPct val="115000"/>
+                        </a:lnSpc>
+                        <a:spcAft>
+                          <a:spcPts val="600"/>
+                        </a:spcAft>
+                      </a:pPr>
+                      <a:r>
+                        <a:rPr lang="nl-NL" sz="2400" dirty="0">
+                          <a:effectLst/>
+                        </a:rPr>
+                        <a:t>Actie</a:t>
+                      </a:r>
+                      <a:endParaRPr lang="nl-NL" sz="2400" dirty="0">
+                        <a:effectLst/>
+                        <a:latin typeface="Calibri" panose="020F0502020204030204" pitchFamily="34" charset="0"/>
+                        <a:ea typeface="Calibri" panose="020F0502020204030204" pitchFamily="34" charset="0"/>
+                        <a:cs typeface="Times New Roman" panose="02020603050405020304" pitchFamily="18" charset="0"/>
+                      </a:endParaRPr>
+                    </a:p>
+                  </a:txBody>
+                  <a:tcPr marL="68580" marR="68580" marT="0" marB="0"/>
+                </a:tc>
+                <a:tc gridSpan="6">
+                  <a:txBody>
+                    <a:bodyPr/>
+                    <a:lstStyle/>
+                    <a:p>
+                      <a:pPr lvl="0">
+                        <a:lnSpc>
+                          <a:spcPct val="114999"/>
+                        </a:lnSpc>
+                        <a:spcAft>
+                          <a:spcPts val="600"/>
+                        </a:spcAft>
+                        <a:buNone/>
+                      </a:pPr>
+                      <a:r>
+                        <a:rPr lang="en-150" sz="2400" b="0" i="0" u="none" strike="noStrike" noProof="0" dirty="0">
+                          <a:effectLst/>
+                        </a:rPr>
+                        <a:t>Admin </a:t>
+                      </a:r>
+                      <a:r>
+                        <a:rPr lang="en-150" sz="2400" b="0" i="0" u="none" strike="noStrike" noProof="0" dirty="0" err="1">
+                          <a:effectLst/>
+                        </a:rPr>
+                        <a:t>wil</a:t>
+                      </a:r>
+                      <a:r>
+                        <a:rPr lang="en-150" sz="2400" b="0" i="0" u="none" strike="noStrike" noProof="0" dirty="0">
+                          <a:effectLst/>
+                        </a:rPr>
+                        <a:t> account van user </a:t>
+                      </a:r>
+                      <a:r>
+                        <a:rPr lang="en-150" sz="2400" b="0" i="0" u="none" strike="noStrike" noProof="0" dirty="0" err="1">
+                          <a:effectLst/>
+                        </a:rPr>
+                        <a:t>deleten</a:t>
+                      </a:r>
+                      <a:endParaRPr lang="tr-TR" sz="2400" b="0" i="0" u="none" strike="noStrike" noProof="0" dirty="0">
+                        <a:effectLst/>
+                      </a:endParaRPr>
+                    </a:p>
+                  </a:txBody>
+                  <a:tcPr marL="68580" marR="68580" marT="0" marB="0"/>
+                </a:tc>
+                <a:tc hMerge="1">
+                  <a:txBody>
+                    <a:bodyPr/>
+                    <a:lstStyle/>
+                    <a:p>
+                      <a:endParaRPr lang="nl-NL"/>
+                    </a:p>
+                  </a:txBody>
+                  <a:tcPr/>
+                </a:tc>
+                <a:tc hMerge="1">
+                  <a:txBody>
+                    <a:bodyPr/>
+                    <a:lstStyle/>
+                    <a:p>
+                      <a:endParaRPr lang="nl-NL"/>
+                    </a:p>
+                  </a:txBody>
+                  <a:tcPr/>
+                </a:tc>
+                <a:tc hMerge="1">
+                  <a:txBody>
+                    <a:bodyPr/>
+                    <a:lstStyle/>
+                    <a:p>
+                      <a:endParaRPr lang="nl-NL"/>
+                    </a:p>
+                  </a:txBody>
+                  <a:tcPr/>
+                </a:tc>
+                <a:tc hMerge="1">
+                  <a:txBody>
+                    <a:bodyPr/>
+                    <a:lstStyle/>
+                    <a:p>
+                      <a:endParaRPr lang="nl-NL"/>
+                    </a:p>
+                  </a:txBody>
+                  <a:tcPr/>
+                </a:tc>
+                <a:tc hMerge="1">
+                  <a:txBody>
+                    <a:bodyPr/>
+                    <a:lstStyle/>
+                    <a:p>
+                      <a:endParaRPr lang="nl-NL"/>
+                    </a:p>
+                  </a:txBody>
+                  <a:tcPr/>
+                </a:tc>
+                <a:extLst>
+                  <a:ext uri="{0D108BD9-81ED-4DB2-BD59-A6C34878D82A}">
+                    <a16:rowId xmlns:a16="http://schemas.microsoft.com/office/drawing/2014/main" val="3841254077"/>
+                  </a:ext>
+                </a:extLst>
+              </a:tr>
+              <a:tr h="1143000">
+                <a:tc>
+                  <a:txBody>
+                    <a:bodyPr/>
+                    <a:lstStyle/>
+                    <a:p>
+                      <a:pPr>
+                        <a:lnSpc>
+                          <a:spcPct val="115000"/>
+                        </a:lnSpc>
+                        <a:spcAft>
+                          <a:spcPts val="600"/>
+                        </a:spcAft>
+                      </a:pPr>
+                      <a:r>
+                        <a:rPr lang="nl-NL" sz="2400" dirty="0">
+                          <a:effectLst/>
+                        </a:rPr>
+                        <a:t>Scenario</a:t>
+                      </a:r>
+                      <a:endParaRPr lang="nl-NL" sz="2400" dirty="0">
+                        <a:effectLst/>
+                        <a:latin typeface="Calibri" panose="020F0502020204030204" pitchFamily="34" charset="0"/>
+                        <a:ea typeface="Calibri" panose="020F0502020204030204" pitchFamily="34" charset="0"/>
+                        <a:cs typeface="Times New Roman" panose="02020603050405020304" pitchFamily="18" charset="0"/>
+                      </a:endParaRPr>
+                    </a:p>
+                  </a:txBody>
+                  <a:tcPr marL="68580" marR="68580" marT="0" marB="0"/>
+                </a:tc>
+                <a:tc gridSpan="6">
+                  <a:txBody>
+                    <a:bodyPr/>
+                    <a:lstStyle/>
+                    <a:p>
+                      <a:pPr lvl="0">
+                        <a:lnSpc>
+                          <a:spcPct val="114999"/>
+                        </a:lnSpc>
+                        <a:spcAft>
+                          <a:spcPts val="600"/>
+                        </a:spcAft>
+                        <a:buNone/>
+                      </a:pPr>
+                      <a:r>
+                        <a:rPr lang="en-150" sz="2400" b="0" i="0" u="none" strike="noStrike" noProof="0" dirty="0">
+                          <a:effectLst/>
+                        </a:rPr>
+                        <a:t>Admin </a:t>
+                      </a:r>
+                      <a:r>
+                        <a:rPr lang="en-150" sz="2400" b="0" i="0" u="none" strike="noStrike" noProof="0" dirty="0" err="1">
+                          <a:effectLst/>
+                        </a:rPr>
+                        <a:t>gaat</a:t>
+                      </a:r>
+                      <a:r>
+                        <a:rPr lang="en-150" sz="2400" b="0" i="0" u="none" strike="noStrike" noProof="0" dirty="0">
+                          <a:effectLst/>
+                        </a:rPr>
+                        <a:t> </a:t>
+                      </a:r>
+                      <a:r>
+                        <a:rPr lang="en-150" sz="2400" b="0" i="0" u="none" strike="noStrike" noProof="0" dirty="0" err="1">
+                          <a:effectLst/>
+                        </a:rPr>
+                        <a:t>naar</a:t>
+                      </a:r>
+                      <a:r>
+                        <a:rPr lang="en-150" sz="2400" b="0" i="0" u="none" strike="noStrike" noProof="0" dirty="0">
+                          <a:effectLst/>
+                        </a:rPr>
+                        <a:t> </a:t>
+                      </a:r>
+                      <a:r>
+                        <a:rPr lang="en-150" sz="2400" b="0" i="0" u="none" strike="noStrike" noProof="0" dirty="0" err="1">
+                          <a:effectLst/>
+                        </a:rPr>
+                        <a:t>hun</a:t>
+                      </a:r>
+                      <a:r>
+                        <a:rPr lang="en-150" sz="2400" b="0" i="0" u="none" strike="noStrike" noProof="0" dirty="0">
+                          <a:effectLst/>
+                        </a:rPr>
+                        <a:t> Users </a:t>
+                      </a:r>
+                      <a:r>
+                        <a:rPr lang="en-150" sz="2400" b="0" i="0" u="none" strike="noStrike" noProof="0" dirty="0" err="1">
+                          <a:effectLst/>
+                        </a:rPr>
+                        <a:t>dashbord</a:t>
+                      </a:r>
+                      <a:r>
+                        <a:rPr lang="en-150" sz="2400" b="0" i="0" u="none" strike="noStrike" noProof="0" dirty="0">
+                          <a:effectLst/>
+                        </a:rPr>
+                        <a:t>, </a:t>
+                      </a:r>
+                      <a:r>
+                        <a:rPr lang="en-150" sz="2400" b="0" i="0" u="none" strike="noStrike" noProof="0" dirty="0" err="1">
+                          <a:effectLst/>
+                        </a:rPr>
+                        <a:t>hij</a:t>
+                      </a:r>
+                      <a:r>
+                        <a:rPr lang="en-150" sz="2400" b="0" i="0" u="none" strike="noStrike" noProof="0" dirty="0">
+                          <a:effectLst/>
+                        </a:rPr>
+                        <a:t> </a:t>
+                      </a:r>
+                      <a:r>
+                        <a:rPr lang="en-150" sz="2400" b="0" i="0" u="none" strike="noStrike" noProof="0" dirty="0" err="1">
+                          <a:effectLst/>
+                        </a:rPr>
+                        <a:t>drukt</a:t>
+                      </a:r>
+                      <a:r>
+                        <a:rPr lang="en-150" sz="2400" b="0" i="0" u="none" strike="noStrike" noProof="0" dirty="0">
+                          <a:effectLst/>
+                        </a:rPr>
+                        <a:t> op delete </a:t>
+                      </a:r>
+                      <a:r>
+                        <a:rPr lang="en-150" sz="2400" b="0" i="0" u="none" strike="noStrike" noProof="0" dirty="0" err="1">
+                          <a:effectLst/>
+                        </a:rPr>
+                        <a:t>naast</a:t>
+                      </a:r>
+                      <a:r>
+                        <a:rPr lang="en-150" sz="2400" b="0" i="0" u="none" strike="noStrike" noProof="0" dirty="0">
+                          <a:effectLst/>
+                        </a:rPr>
+                        <a:t> de naam van de user.</a:t>
+                      </a:r>
+                      <a:endParaRPr lang="tr-TR" sz="2400" b="0" i="0" u="none" strike="noStrike" noProof="0" dirty="0">
+                        <a:effectLst/>
+                      </a:endParaRPr>
+                    </a:p>
+                  </a:txBody>
+                  <a:tcPr marL="68580" marR="68580" marT="0" marB="0"/>
+                </a:tc>
+                <a:tc hMerge="1">
+                  <a:txBody>
+                    <a:bodyPr/>
+                    <a:lstStyle/>
+                    <a:p>
+                      <a:endParaRPr lang="nl-NL"/>
+                    </a:p>
+                  </a:txBody>
+                  <a:tcPr/>
+                </a:tc>
+                <a:tc hMerge="1">
+                  <a:txBody>
+                    <a:bodyPr/>
+                    <a:lstStyle/>
+                    <a:p>
+                      <a:endParaRPr lang="nl-NL"/>
+                    </a:p>
+                  </a:txBody>
+                  <a:tcPr/>
+                </a:tc>
+                <a:tc hMerge="1">
+                  <a:txBody>
+                    <a:bodyPr/>
+                    <a:lstStyle/>
+                    <a:p>
+                      <a:endParaRPr lang="nl-NL"/>
+                    </a:p>
+                  </a:txBody>
+                  <a:tcPr/>
+                </a:tc>
+                <a:tc hMerge="1">
+                  <a:txBody>
+                    <a:bodyPr/>
+                    <a:lstStyle/>
+                    <a:p>
+                      <a:endParaRPr lang="nl-NL"/>
+                    </a:p>
+                  </a:txBody>
+                  <a:tcPr/>
+                </a:tc>
+                <a:tc hMerge="1">
+                  <a:txBody>
+                    <a:bodyPr/>
+                    <a:lstStyle/>
+                    <a:p>
+                      <a:endParaRPr lang="nl-NL"/>
+                    </a:p>
+                  </a:txBody>
+                  <a:tcPr/>
+                </a:tc>
+                <a:extLst>
+                  <a:ext uri="{0D108BD9-81ED-4DB2-BD59-A6C34878D82A}">
+                    <a16:rowId xmlns:a16="http://schemas.microsoft.com/office/drawing/2014/main" val="4180682204"/>
+                  </a:ext>
+                </a:extLst>
+              </a:tr>
+              <a:tr h="1143000">
+                <a:tc>
+                  <a:txBody>
+                    <a:bodyPr/>
+                    <a:lstStyle/>
+                    <a:p>
+                      <a:pPr>
+                        <a:lnSpc>
+                          <a:spcPct val="115000"/>
+                        </a:lnSpc>
+                        <a:spcAft>
+                          <a:spcPts val="600"/>
+                        </a:spcAft>
+                      </a:pPr>
+                      <a:r>
+                        <a:rPr lang="nl-NL" sz="2400" dirty="0">
+                          <a:effectLst/>
+                        </a:rPr>
+                        <a:t>Verwacht resultaat</a:t>
+                      </a:r>
+                      <a:endParaRPr lang="nl-NL" sz="2400" dirty="0">
+                        <a:effectLst/>
+                        <a:latin typeface="Calibri" panose="020F0502020204030204" pitchFamily="34" charset="0"/>
+                        <a:ea typeface="Calibri" panose="020F0502020204030204" pitchFamily="34" charset="0"/>
+                        <a:cs typeface="Times New Roman" panose="02020603050405020304" pitchFamily="18" charset="0"/>
+                      </a:endParaRPr>
+                    </a:p>
+                  </a:txBody>
+                  <a:tcPr marL="68580" marR="68580" marT="0" marB="0"/>
+                </a:tc>
+                <a:tc gridSpan="6">
+                  <a:txBody>
+                    <a:bodyPr/>
+                    <a:lstStyle/>
+                    <a:p>
+                      <a:pPr>
+                        <a:lnSpc>
+                          <a:spcPct val="115000"/>
+                        </a:lnSpc>
+                        <a:spcAft>
+                          <a:spcPts val="600"/>
+                        </a:spcAft>
+                      </a:pPr>
+                      <a:r>
+                        <a:rPr lang="en-150" sz="2400" dirty="0">
+                          <a:effectLst/>
+                          <a:latin typeface="Calibri"/>
+                          <a:ea typeface="Calibri"/>
+                          <a:cs typeface="Times New Roman"/>
+                        </a:rPr>
+                        <a:t>Account van de user is </a:t>
+                      </a:r>
+                      <a:r>
+                        <a:rPr lang="en-150" sz="2400" dirty="0" err="1">
+                          <a:effectLst/>
+                          <a:latin typeface="Calibri"/>
+                          <a:ea typeface="Calibri"/>
+                          <a:cs typeface="Times New Roman"/>
+                        </a:rPr>
+                        <a:t>verwijderd</a:t>
+                      </a:r>
+                      <a:endParaRPr lang="tr-TR" sz="2400" dirty="0">
+                        <a:effectLst/>
+                        <a:latin typeface="Calibri"/>
+                        <a:ea typeface="Calibri"/>
+                        <a:cs typeface="Times New Roman"/>
+                      </a:endParaRPr>
+                    </a:p>
+                  </a:txBody>
+                  <a:tcPr marL="68580" marR="68580" marT="0" marB="0"/>
+                </a:tc>
+                <a:tc hMerge="1">
+                  <a:txBody>
+                    <a:bodyPr/>
+                    <a:lstStyle/>
+                    <a:p>
+                      <a:endParaRPr lang="nl-NL"/>
+                    </a:p>
+                  </a:txBody>
+                  <a:tcPr/>
+                </a:tc>
+                <a:tc hMerge="1">
+                  <a:txBody>
+                    <a:bodyPr/>
+                    <a:lstStyle/>
+                    <a:p>
+                      <a:endParaRPr lang="nl-NL"/>
+                    </a:p>
+                  </a:txBody>
+                  <a:tcPr/>
+                </a:tc>
+                <a:tc hMerge="1">
+                  <a:txBody>
+                    <a:bodyPr/>
+                    <a:lstStyle/>
+                    <a:p>
+                      <a:endParaRPr lang="nl-NL"/>
+                    </a:p>
+                  </a:txBody>
+                  <a:tcPr/>
+                </a:tc>
+                <a:tc hMerge="1">
+                  <a:txBody>
+                    <a:bodyPr/>
+                    <a:lstStyle/>
+                    <a:p>
+                      <a:endParaRPr lang="nl-NL"/>
+                    </a:p>
+                  </a:txBody>
+                  <a:tcPr/>
+                </a:tc>
+                <a:tc hMerge="1">
+                  <a:txBody>
+                    <a:bodyPr/>
+                    <a:lstStyle/>
+                    <a:p>
+                      <a:endParaRPr lang="nl-NL"/>
+                    </a:p>
+                  </a:txBody>
+                  <a:tcPr/>
+                </a:tc>
+                <a:extLst>
+                  <a:ext uri="{0D108BD9-81ED-4DB2-BD59-A6C34878D82A}">
+                    <a16:rowId xmlns:a16="http://schemas.microsoft.com/office/drawing/2014/main" val="4158795346"/>
+                  </a:ext>
+                </a:extLst>
+              </a:tr>
+              <a:tr h="1143000">
+                <a:tc>
+                  <a:txBody>
+                    <a:bodyPr/>
+                    <a:lstStyle/>
+                    <a:p>
+                      <a:pPr>
+                        <a:lnSpc>
+                          <a:spcPct val="115000"/>
+                        </a:lnSpc>
+                        <a:spcAft>
+                          <a:spcPts val="600"/>
+                        </a:spcAft>
+                      </a:pPr>
+                      <a:r>
+                        <a:rPr lang="nl-NL" sz="2400" dirty="0">
+                          <a:effectLst/>
+                        </a:rPr>
+                        <a:t>Aanpassingen</a:t>
+                      </a:r>
+                      <a:endParaRPr lang="nl-NL" sz="2400" dirty="0">
+                        <a:effectLst/>
+                        <a:latin typeface="Calibri" panose="020F0502020204030204" pitchFamily="34" charset="0"/>
+                        <a:ea typeface="Calibri" panose="020F0502020204030204" pitchFamily="34" charset="0"/>
+                        <a:cs typeface="Times New Roman" panose="02020603050405020304" pitchFamily="18" charset="0"/>
+                      </a:endParaRPr>
+                    </a:p>
+                  </a:txBody>
+                  <a:tcPr marL="68580" marR="0" marT="0" marB="0"/>
+                </a:tc>
+                <a:tc gridSpan="6">
+                  <a:txBody>
+                    <a:bodyPr/>
+                    <a:lstStyle/>
+                    <a:p>
+                      <a:pPr>
+                        <a:lnSpc>
+                          <a:spcPct val="115000"/>
+                        </a:lnSpc>
+                        <a:spcAft>
+                          <a:spcPts val="600"/>
+                        </a:spcAft>
+                      </a:pPr>
+                      <a:r>
+                        <a:rPr lang="nl-NL" sz="2400" dirty="0">
+                          <a:effectLst/>
+                        </a:rPr>
+                        <a:t> </a:t>
+                      </a:r>
+                      <a:r>
+                        <a:rPr lang="tr-TR" sz="2400" dirty="0" err="1">
+                          <a:effectLst/>
+                        </a:rPr>
+                        <a:t>niet</a:t>
+                      </a:r>
+                      <a:r>
+                        <a:rPr lang="tr-TR" sz="2400" dirty="0">
+                          <a:effectLst/>
+                        </a:rPr>
+                        <a:t> </a:t>
+                      </a:r>
+                      <a:r>
+                        <a:rPr lang="tr-TR" sz="2400" dirty="0" err="1">
+                          <a:effectLst/>
+                        </a:rPr>
+                        <a:t>nodig</a:t>
+                      </a:r>
+                      <a:endParaRPr lang="nl-NL" sz="2400" dirty="0">
+                        <a:effectLst/>
+                        <a:latin typeface="Calibri" panose="020F0502020204030204" pitchFamily="34" charset="0"/>
+                        <a:ea typeface="Calibri" panose="020F0502020204030204" pitchFamily="34" charset="0"/>
+                        <a:cs typeface="Times New Roman" panose="02020603050405020304" pitchFamily="18" charset="0"/>
+                      </a:endParaRPr>
+                    </a:p>
+                  </a:txBody>
+                  <a:tcPr marL="68580" marR="68580" marT="0" marB="0"/>
+                </a:tc>
+                <a:tc hMerge="1">
+                  <a:txBody>
+                    <a:bodyPr/>
+                    <a:lstStyle/>
+                    <a:p>
+                      <a:endParaRPr lang="nl-NL"/>
+                    </a:p>
+                  </a:txBody>
+                  <a:tcPr/>
+                </a:tc>
+                <a:tc hMerge="1">
+                  <a:txBody>
+                    <a:bodyPr/>
+                    <a:lstStyle/>
+                    <a:p>
+                      <a:endParaRPr lang="nl-NL"/>
+                    </a:p>
+                  </a:txBody>
+                  <a:tcPr/>
+                </a:tc>
+                <a:tc hMerge="1">
+                  <a:txBody>
+                    <a:bodyPr/>
+                    <a:lstStyle/>
+                    <a:p>
+                      <a:endParaRPr lang="nl-NL"/>
+                    </a:p>
+                  </a:txBody>
+                  <a:tcPr/>
+                </a:tc>
+                <a:tc hMerge="1">
+                  <a:txBody>
+                    <a:bodyPr/>
+                    <a:lstStyle/>
+                    <a:p>
+                      <a:endParaRPr lang="nl-NL"/>
+                    </a:p>
+                  </a:txBody>
+                  <a:tcPr/>
+                </a:tc>
+                <a:tc hMerge="1">
+                  <a:txBody>
+                    <a:bodyPr/>
+                    <a:lstStyle/>
+                    <a:p>
+                      <a:endParaRPr lang="nl-NL"/>
+                    </a:p>
+                  </a:txBody>
+                  <a:tcPr/>
+                </a:tc>
+                <a:extLst>
+                  <a:ext uri="{0D108BD9-81ED-4DB2-BD59-A6C34878D82A}">
+                    <a16:rowId xmlns:a16="http://schemas.microsoft.com/office/drawing/2014/main" val="2166289208"/>
+                  </a:ext>
+                </a:extLst>
+              </a:tr>
+              <a:tr h="1143000">
+                <a:tc>
+                  <a:txBody>
+                    <a:bodyPr/>
+                    <a:lstStyle/>
+                    <a:p>
+                      <a:pPr>
+                        <a:lnSpc>
+                          <a:spcPct val="115000"/>
+                        </a:lnSpc>
+                        <a:spcAft>
+                          <a:spcPts val="600"/>
+                        </a:spcAft>
+                      </a:pPr>
+                      <a:r>
+                        <a:rPr lang="nl-NL" sz="2400" dirty="0">
+                          <a:effectLst/>
+                        </a:rPr>
+                        <a:t>Uitvoering</a:t>
+                      </a:r>
+                      <a:endParaRPr lang="nl-NL" sz="2400" dirty="0">
+                        <a:effectLst/>
+                        <a:latin typeface="Calibri" panose="020F0502020204030204" pitchFamily="34" charset="0"/>
+                        <a:ea typeface="Calibri" panose="020F0502020204030204" pitchFamily="34" charset="0"/>
+                        <a:cs typeface="Times New Roman" panose="02020603050405020304" pitchFamily="18" charset="0"/>
+                      </a:endParaRPr>
+                    </a:p>
+                  </a:txBody>
+                  <a:tcPr marL="68580" marR="68580" marT="0" marB="0"/>
+                </a:tc>
+                <a:tc>
+                  <a:txBody>
+                    <a:bodyPr/>
+                    <a:lstStyle/>
+                    <a:p>
+                      <a:pPr>
+                        <a:lnSpc>
+                          <a:spcPct val="106000"/>
+                        </a:lnSpc>
+                        <a:spcAft>
+                          <a:spcPts val="600"/>
+                        </a:spcAft>
+                      </a:pPr>
+                      <a:r>
+                        <a:rPr lang="nl-NL" sz="2400" dirty="0">
+                          <a:effectLst/>
+                        </a:rPr>
+                        <a:t>Uren</a:t>
+                      </a:r>
+                      <a:endParaRPr lang="nl-NL" sz="2400" dirty="0">
+                        <a:effectLst/>
+                        <a:latin typeface="Calibri" panose="020F0502020204030204" pitchFamily="34" charset="0"/>
+                        <a:ea typeface="Calibri" panose="020F0502020204030204" pitchFamily="34" charset="0"/>
+                        <a:cs typeface="Times New Roman" panose="02020603050405020304" pitchFamily="18" charset="0"/>
+                      </a:endParaRPr>
+                    </a:p>
+                  </a:txBody>
+                  <a:tcPr marL="68580" marR="68580" marT="0" marB="0"/>
+                </a:tc>
+                <a:tc>
+                  <a:txBody>
+                    <a:bodyPr/>
+                    <a:lstStyle/>
+                    <a:p>
+                      <a:pPr>
+                        <a:lnSpc>
+                          <a:spcPct val="106000"/>
+                        </a:lnSpc>
+                        <a:spcAft>
+                          <a:spcPts val="600"/>
+                        </a:spcAft>
+                      </a:pPr>
+                      <a:r>
+                        <a:rPr lang="en-150" sz="2400" dirty="0">
+                          <a:effectLst/>
+                          <a:latin typeface="Calibri" panose="020F0502020204030204" pitchFamily="34" charset="0"/>
+                          <a:ea typeface="Calibri" panose="020F0502020204030204" pitchFamily="34" charset="0"/>
+                          <a:cs typeface="Times New Roman" panose="02020603050405020304" pitchFamily="18" charset="0"/>
+                        </a:rPr>
+                        <a:t>n.v.t</a:t>
+                      </a:r>
+                      <a:endParaRPr lang="nl-NL" sz="2400" dirty="0">
+                        <a:effectLst/>
+                        <a:latin typeface="Calibri" panose="020F0502020204030204" pitchFamily="34" charset="0"/>
+                        <a:ea typeface="Calibri" panose="020F0502020204030204" pitchFamily="34" charset="0"/>
+                        <a:cs typeface="Times New Roman" panose="02020603050405020304" pitchFamily="18" charset="0"/>
+                      </a:endParaRPr>
+                    </a:p>
+                  </a:txBody>
+                  <a:tcPr marL="68580" marR="68580" marT="0" marB="0"/>
+                </a:tc>
+                <a:tc>
+                  <a:txBody>
+                    <a:bodyPr/>
+                    <a:lstStyle/>
+                    <a:p>
+                      <a:pPr>
+                        <a:lnSpc>
+                          <a:spcPct val="115000"/>
+                        </a:lnSpc>
+                        <a:spcAft>
+                          <a:spcPts val="600"/>
+                        </a:spcAft>
+                      </a:pPr>
+                      <a:r>
+                        <a:rPr lang="nl-NL" sz="2400" dirty="0">
+                          <a:effectLst/>
+                        </a:rPr>
+                        <a:t>Prioriteit</a:t>
+                      </a:r>
+                      <a:r>
+                        <a:rPr lang="nl-NL" sz="2400" baseline="30000" dirty="0">
+                          <a:effectLst/>
+                        </a:rPr>
+                        <a:t>*</a:t>
+                      </a:r>
+                      <a:endParaRPr lang="nl-NL" sz="2400" dirty="0">
+                        <a:effectLst/>
+                        <a:latin typeface="Calibri" panose="020F0502020204030204" pitchFamily="34" charset="0"/>
+                        <a:ea typeface="Calibri" panose="020F0502020204030204" pitchFamily="34" charset="0"/>
+                        <a:cs typeface="Times New Roman" panose="02020603050405020304" pitchFamily="18" charset="0"/>
+                      </a:endParaRPr>
+                    </a:p>
+                  </a:txBody>
+                  <a:tcPr marL="68580" marR="68580" marT="0" marB="0"/>
+                </a:tc>
+                <a:tc>
+                  <a:txBody>
+                    <a:bodyPr/>
+                    <a:lstStyle/>
+                    <a:p>
+                      <a:pPr>
+                        <a:lnSpc>
+                          <a:spcPct val="115000"/>
+                        </a:lnSpc>
+                        <a:spcAft>
+                          <a:spcPts val="600"/>
+                        </a:spcAft>
+                      </a:pPr>
+                      <a:endParaRPr lang="nl-NL" sz="2400" dirty="0">
+                        <a:effectLst/>
+                        <a:latin typeface="Calibri" panose="020F0502020204030204" pitchFamily="34" charset="0"/>
+                        <a:ea typeface="Calibri" panose="020F0502020204030204" pitchFamily="34" charset="0"/>
+                        <a:cs typeface="Times New Roman" panose="02020603050405020304" pitchFamily="18" charset="0"/>
+                      </a:endParaRPr>
+                    </a:p>
+                  </a:txBody>
+                  <a:tcPr marL="68580" marR="68580" marT="0" marB="0"/>
+                </a:tc>
+                <a:tc>
+                  <a:txBody>
+                    <a:bodyPr/>
+                    <a:lstStyle/>
+                    <a:p>
+                      <a:pPr>
+                        <a:lnSpc>
+                          <a:spcPct val="115000"/>
+                        </a:lnSpc>
+                        <a:spcAft>
+                          <a:spcPts val="600"/>
+                        </a:spcAft>
+                      </a:pPr>
+                      <a:r>
+                        <a:rPr lang="nl-NL" sz="2400" dirty="0">
+                          <a:effectLst/>
+                        </a:rPr>
+                        <a:t>Door</a:t>
+                      </a:r>
+                      <a:endParaRPr lang="nl-NL" sz="2400" dirty="0">
+                        <a:effectLst/>
+                        <a:latin typeface="Calibri" panose="020F0502020204030204" pitchFamily="34" charset="0"/>
+                        <a:ea typeface="Calibri" panose="020F0502020204030204" pitchFamily="34" charset="0"/>
+                        <a:cs typeface="Times New Roman" panose="02020603050405020304" pitchFamily="18" charset="0"/>
+                      </a:endParaRPr>
+                    </a:p>
+                  </a:txBody>
+                  <a:tcPr marL="68580" marR="68580" marT="0" marB="0"/>
+                </a:tc>
+                <a:tc>
+                  <a:txBody>
+                    <a:bodyPr/>
+                    <a:lstStyle/>
+                    <a:p>
+                      <a:pPr>
+                        <a:lnSpc>
+                          <a:spcPct val="115000"/>
+                        </a:lnSpc>
+                        <a:spcAft>
+                          <a:spcPts val="600"/>
+                        </a:spcAft>
+                      </a:pPr>
+                      <a:r>
+                        <a:rPr lang="nl-NL" sz="2400" dirty="0">
+                          <a:effectLst/>
+                        </a:rPr>
+                        <a:t> </a:t>
+                      </a:r>
+                      <a:endParaRPr lang="nl-NL" sz="2400" dirty="0">
+                        <a:effectLst/>
+                        <a:latin typeface="Calibri" panose="020F0502020204030204" pitchFamily="34" charset="0"/>
+                        <a:ea typeface="Calibri" panose="020F0502020204030204" pitchFamily="34" charset="0"/>
+                        <a:cs typeface="Times New Roman" panose="02020603050405020304" pitchFamily="18" charset="0"/>
+                      </a:endParaRPr>
+                    </a:p>
+                  </a:txBody>
+                  <a:tcPr marL="68580" marR="68580" marT="0" marB="0"/>
+                </a:tc>
+                <a:extLst>
+                  <a:ext uri="{0D108BD9-81ED-4DB2-BD59-A6C34878D82A}">
+                    <a16:rowId xmlns:a16="http://schemas.microsoft.com/office/drawing/2014/main" val="3096493619"/>
+                  </a:ext>
+                </a:extLst>
+              </a:tr>
+            </a:tbl>
+          </a:graphicData>
+        </a:graphic>
+      </p:graphicFrame>
+    </p:spTree>
+    <p:extLst>
+      <p:ext uri="{BB962C8B-B14F-4D97-AF65-F5344CB8AC3E}">
+        <p14:creationId xmlns:p14="http://schemas.microsoft.com/office/powerpoint/2010/main" val="2421469127"/>
+      </p:ext>
+    </p:extLst>
+  </p:cSld>
+  <p:clrMapOvr>
+    <a:masterClrMapping/>
+  </p:clrMapOvr>
+</p:sld>
+</file>
+
+<file path=ppt/slides/slide6.xml><?xml version="1.0" encoding="utf-8"?>
+<p:sld xmlns:a="http://schemas.openxmlformats.org/drawingml/2006/main" xmlns:r="http://schemas.openxmlformats.org/officeDocument/2006/relationships" xmlns:p="http://schemas.openxmlformats.org/presentationml/2006/main">
+  <p:cSld>
+    <p:spTree>
+      <p:nvGrpSpPr>
+        <p:cNvPr id="1" name=""/>
+        <p:cNvGrpSpPr/>
+        <p:nvPr/>
+      </p:nvGrpSpPr>
+      <p:grpSpPr>
+        <a:xfrm>
+          <a:off x="0" y="0"/>
+          <a:ext cx="0" cy="0"/>
+          <a:chOff x="0" y="0"/>
+          <a:chExt cx="0" cy="0"/>
+        </a:xfrm>
+      </p:grpSpPr>
+      <p:sp>
+        <p:nvSpPr>
+          <p:cNvPr id="2" name="Titel 1">
+            <a:extLst>
+              <a:ext uri="{FF2B5EF4-FFF2-40B4-BE49-F238E27FC236}">
+                <a16:creationId xmlns:a16="http://schemas.microsoft.com/office/drawing/2014/main" id="{0F0B3A1C-8C51-4740-81E6-25580284077A}"/>
+              </a:ext>
+            </a:extLst>
+          </p:cNvPr>
+          <p:cNvSpPr>
+            <a:spLocks noGrp="1"/>
+          </p:cNvSpPr>
+          <p:nvPr>
+            <p:ph type="title"/>
+          </p:nvPr>
+        </p:nvSpPr>
+        <p:spPr>
+          <a:xfrm>
+            <a:off x="756091" y="452086"/>
+            <a:ext cx="8596668" cy="1320800"/>
+          </a:xfrm>
+        </p:spPr>
+        <p:txBody>
+          <a:bodyPr/>
+          <a:lstStyle/>
+          <a:p>
+            <a:endParaRPr lang="nl-NL" dirty="0"/>
+          </a:p>
+        </p:txBody>
+      </p:sp>
+      <p:graphicFrame>
+        <p:nvGraphicFramePr>
+          <p:cNvPr id="6" name="Tijdelijke aanduiding voor inhoud 5">
+            <a:extLst>
+              <a:ext uri="{FF2B5EF4-FFF2-40B4-BE49-F238E27FC236}">
+                <a16:creationId xmlns:a16="http://schemas.microsoft.com/office/drawing/2014/main" id="{BDCC85D0-5AF5-45FD-B8FD-C4B0A1DC91F7}"/>
+              </a:ext>
+            </a:extLst>
+          </p:cNvPr>
+          <p:cNvGraphicFramePr>
+            <a:graphicFrameLocks noGrp="1"/>
+          </p:cNvGraphicFramePr>
+          <p:nvPr>
+            <p:ph idx="1"/>
+            <p:extLst>
+              <p:ext uri="{D42A27DB-BD31-4B8C-83A1-F6EECF244321}">
+                <p14:modId xmlns:p14="http://schemas.microsoft.com/office/powerpoint/2010/main" val="1169714188"/>
+              </p:ext>
+            </p:extLst>
+          </p:nvPr>
+        </p:nvGraphicFramePr>
+        <p:xfrm>
+          <a:off x="0" y="0"/>
+          <a:ext cx="12191993" cy="5715000"/>
+        </p:xfrm>
+        <a:graphic>
+          <a:graphicData uri="http://schemas.openxmlformats.org/drawingml/2006/table">
+            <a:tbl>
+              <a:tblPr firstRow="1" firstCol="1" lastRow="1" lastCol="1" bandRow="1" bandCol="1">
+                <a:tableStyleId>{5C22544A-7EE6-4342-B048-85BDC9FD1C3A}</a:tableStyleId>
+              </a:tblPr>
+              <a:tblGrid>
+                <a:gridCol w="2449285">
+                  <a:extLst>
+                    <a:ext uri="{9D8B030D-6E8A-4147-A177-3AD203B41FA5}">
+                      <a16:colId xmlns:a16="http://schemas.microsoft.com/office/drawing/2014/main" val="637731259"/>
+                    </a:ext>
+                  </a:extLst>
+                </a:gridCol>
+                <a:gridCol w="1103462">
+                  <a:extLst>
+                    <a:ext uri="{9D8B030D-6E8A-4147-A177-3AD203B41FA5}">
+                      <a16:colId xmlns:a16="http://schemas.microsoft.com/office/drawing/2014/main" val="3621273301"/>
+                    </a:ext>
+                  </a:extLst>
+                </a:gridCol>
+                <a:gridCol w="1955595">
+                  <a:extLst>
+                    <a:ext uri="{9D8B030D-6E8A-4147-A177-3AD203B41FA5}">
+                      <a16:colId xmlns:a16="http://schemas.microsoft.com/office/drawing/2014/main" val="3261718528"/>
+                    </a:ext>
+                  </a:extLst>
+                </a:gridCol>
+                <a:gridCol w="1363064">
+                  <a:extLst>
+                    <a:ext uri="{9D8B030D-6E8A-4147-A177-3AD203B41FA5}">
+                      <a16:colId xmlns:a16="http://schemas.microsoft.com/office/drawing/2014/main" val="3580709575"/>
+                    </a:ext>
+                  </a:extLst>
+                </a:gridCol>
+                <a:gridCol w="2204314">
+                  <a:extLst>
+                    <a:ext uri="{9D8B030D-6E8A-4147-A177-3AD203B41FA5}">
+                      <a16:colId xmlns:a16="http://schemas.microsoft.com/office/drawing/2014/main" val="2998393212"/>
+                    </a:ext>
+                  </a:extLst>
+                </a:gridCol>
+                <a:gridCol w="882699">
+                  <a:extLst>
+                    <a:ext uri="{9D8B030D-6E8A-4147-A177-3AD203B41FA5}">
+                      <a16:colId xmlns:a16="http://schemas.microsoft.com/office/drawing/2014/main" val="3931386789"/>
+                    </a:ext>
+                  </a:extLst>
+                </a:gridCol>
+                <a:gridCol w="2233574">
+                  <a:extLst>
+                    <a:ext uri="{9D8B030D-6E8A-4147-A177-3AD203B41FA5}">
+                      <a16:colId xmlns:a16="http://schemas.microsoft.com/office/drawing/2014/main" val="2456682271"/>
+                    </a:ext>
+                  </a:extLst>
+                </a:gridCol>
+              </a:tblGrid>
+              <a:tr h="1143000">
+                <a:tc>
+                  <a:txBody>
+                    <a:bodyPr/>
+                    <a:lstStyle/>
+                    <a:p>
+                      <a:pPr>
+                        <a:lnSpc>
+                          <a:spcPct val="115000"/>
+                        </a:lnSpc>
+                        <a:spcAft>
+                          <a:spcPts val="600"/>
+                        </a:spcAft>
+                      </a:pPr>
+                      <a:r>
+                        <a:rPr lang="nl-NL" sz="2400" dirty="0">
+                          <a:effectLst/>
+                        </a:rPr>
+                        <a:t>Actie</a:t>
+                      </a:r>
+                      <a:endParaRPr lang="nl-NL" sz="2400" dirty="0">
+                        <a:effectLst/>
+                        <a:latin typeface="Calibri" panose="020F0502020204030204" pitchFamily="34" charset="0"/>
+                        <a:ea typeface="Calibri" panose="020F0502020204030204" pitchFamily="34" charset="0"/>
+                        <a:cs typeface="Times New Roman" panose="02020603050405020304" pitchFamily="18" charset="0"/>
+                      </a:endParaRPr>
+                    </a:p>
+                  </a:txBody>
+                  <a:tcPr marL="68580" marR="68580" marT="0" marB="0"/>
+                </a:tc>
+                <a:tc gridSpan="6">
+                  <a:txBody>
+                    <a:bodyPr/>
+                    <a:lstStyle/>
+                    <a:p>
+                      <a:pPr lvl="0">
+                        <a:lnSpc>
+                          <a:spcPct val="114999"/>
+                        </a:lnSpc>
+                        <a:spcAft>
+                          <a:spcPts val="600"/>
+                        </a:spcAft>
+                        <a:buNone/>
+                      </a:pPr>
+                      <a:r>
+                        <a:rPr lang="en-150" sz="2400" dirty="0">
+                          <a:effectLst/>
+                          <a:latin typeface="Calibri"/>
+                          <a:ea typeface="Calibri"/>
+                          <a:cs typeface="Times New Roman"/>
+                        </a:rPr>
+                        <a:t> User wilt </a:t>
+                      </a:r>
+                      <a:r>
+                        <a:rPr lang="en-150" sz="2400" dirty="0" err="1">
+                          <a:effectLst/>
+                          <a:latin typeface="Calibri"/>
+                          <a:ea typeface="Calibri"/>
+                          <a:cs typeface="Times New Roman"/>
+                        </a:rPr>
+                        <a:t>naar</a:t>
+                      </a:r>
+                      <a:r>
+                        <a:rPr lang="en-150" sz="2400" dirty="0">
+                          <a:effectLst/>
+                          <a:latin typeface="Calibri"/>
+                          <a:ea typeface="Calibri"/>
+                          <a:cs typeface="Times New Roman"/>
+                        </a:rPr>
+                        <a:t> home page </a:t>
+                      </a:r>
+                      <a:r>
+                        <a:rPr lang="en-150" sz="2400" dirty="0" err="1">
+                          <a:effectLst/>
+                          <a:latin typeface="Calibri"/>
+                          <a:ea typeface="Calibri"/>
+                          <a:cs typeface="Times New Roman"/>
+                        </a:rPr>
+                        <a:t>gaan</a:t>
+                      </a:r>
+                      <a:endParaRPr lang="tr-TR" sz="2400" dirty="0">
+                        <a:effectLst/>
+                        <a:latin typeface="Calibri"/>
+                        <a:ea typeface="Calibri"/>
+                        <a:cs typeface="Times New Roman"/>
+                      </a:endParaRPr>
+                    </a:p>
+                  </a:txBody>
+                  <a:tcPr marL="68580" marR="68580" marT="0" marB="0"/>
+                </a:tc>
+                <a:tc hMerge="1">
+                  <a:txBody>
+                    <a:bodyPr/>
+                    <a:lstStyle/>
+                    <a:p>
+                      <a:endParaRPr lang="nl-NL"/>
+                    </a:p>
+                  </a:txBody>
+                  <a:tcPr/>
+                </a:tc>
+                <a:tc hMerge="1">
+                  <a:txBody>
+                    <a:bodyPr/>
+                    <a:lstStyle/>
+                    <a:p>
+                      <a:endParaRPr lang="nl-NL"/>
+                    </a:p>
+                  </a:txBody>
+                  <a:tcPr/>
+                </a:tc>
+                <a:tc hMerge="1">
+                  <a:txBody>
+                    <a:bodyPr/>
+                    <a:lstStyle/>
+                    <a:p>
+                      <a:endParaRPr lang="nl-NL"/>
+                    </a:p>
+                  </a:txBody>
+                  <a:tcPr/>
+                </a:tc>
+                <a:tc hMerge="1">
+                  <a:txBody>
+                    <a:bodyPr/>
+                    <a:lstStyle/>
+                    <a:p>
+                      <a:endParaRPr lang="nl-NL"/>
+                    </a:p>
+                  </a:txBody>
+                  <a:tcPr/>
+                </a:tc>
+                <a:tc hMerge="1">
+                  <a:txBody>
+                    <a:bodyPr/>
+                    <a:lstStyle/>
+                    <a:p>
+                      <a:endParaRPr lang="nl-NL"/>
+                    </a:p>
+                  </a:txBody>
+                  <a:tcPr/>
+                </a:tc>
+                <a:extLst>
+                  <a:ext uri="{0D108BD9-81ED-4DB2-BD59-A6C34878D82A}">
+                    <a16:rowId xmlns:a16="http://schemas.microsoft.com/office/drawing/2014/main" val="3841254077"/>
+                  </a:ext>
+                </a:extLst>
+              </a:tr>
+              <a:tr h="1143000">
+                <a:tc>
+                  <a:txBody>
+                    <a:bodyPr/>
+                    <a:lstStyle/>
+                    <a:p>
+                      <a:pPr>
+                        <a:lnSpc>
+                          <a:spcPct val="115000"/>
+                        </a:lnSpc>
+                        <a:spcAft>
+                          <a:spcPts val="600"/>
+                        </a:spcAft>
+                      </a:pPr>
+                      <a:r>
+                        <a:rPr lang="nl-NL" sz="2400" dirty="0">
+                          <a:effectLst/>
+                        </a:rPr>
+                        <a:t>Scenario</a:t>
+                      </a:r>
+                      <a:endParaRPr lang="nl-NL" sz="2400" dirty="0">
+                        <a:effectLst/>
+                        <a:latin typeface="Calibri" panose="020F0502020204030204" pitchFamily="34" charset="0"/>
+                        <a:ea typeface="Calibri" panose="020F0502020204030204" pitchFamily="34" charset="0"/>
+                        <a:cs typeface="Times New Roman" panose="02020603050405020304" pitchFamily="18" charset="0"/>
+                      </a:endParaRPr>
+                    </a:p>
+                  </a:txBody>
+                  <a:tcPr marL="68580" marR="68580" marT="0" marB="0"/>
+                </a:tc>
+                <a:tc gridSpan="6">
+                  <a:txBody>
+                    <a:bodyPr/>
+                    <a:lstStyle/>
+                    <a:p>
+                      <a:pPr lvl="0">
+                        <a:lnSpc>
+                          <a:spcPct val="114999"/>
+                        </a:lnSpc>
+                        <a:spcAft>
+                          <a:spcPts val="600"/>
+                        </a:spcAft>
+                        <a:buNone/>
+                      </a:pPr>
+                      <a:r>
+                        <a:rPr lang="en-150" sz="2400" b="0" i="0" u="none" strike="noStrike" noProof="0" dirty="0">
+                          <a:effectLst/>
+                        </a:rPr>
+                        <a:t>User wilt </a:t>
+                      </a:r>
+                      <a:r>
+                        <a:rPr lang="en-150" sz="2400" b="0" i="0" u="none" strike="noStrike" noProof="0" dirty="0" err="1">
+                          <a:effectLst/>
+                        </a:rPr>
+                        <a:t>naar</a:t>
+                      </a:r>
+                      <a:r>
+                        <a:rPr lang="en-150" sz="2400" b="0" i="0" u="none" strike="noStrike" noProof="0" dirty="0">
+                          <a:effectLst/>
+                        </a:rPr>
+                        <a:t> de home page van de website </a:t>
+                      </a:r>
+                      <a:r>
+                        <a:rPr lang="en-150" sz="2400" b="0" i="0" u="none" strike="noStrike" noProof="0" dirty="0" err="1">
+                          <a:effectLst/>
+                        </a:rPr>
+                        <a:t>gaan</a:t>
+                      </a:r>
+                      <a:r>
+                        <a:rPr lang="en-150" sz="2400" b="0" i="0" u="none" strike="noStrike" noProof="0" dirty="0">
+                          <a:effectLst/>
+                        </a:rPr>
+                        <a:t> </a:t>
+                      </a:r>
+                      <a:r>
+                        <a:rPr lang="en-150" sz="2400" b="0" i="0" u="none" strike="noStrike" noProof="0" dirty="0" err="1">
+                          <a:effectLst/>
+                        </a:rPr>
+                        <a:t>en</a:t>
+                      </a:r>
+                      <a:r>
+                        <a:rPr lang="en-150" sz="2400" b="0" i="0" u="none" strike="noStrike" noProof="0" dirty="0">
+                          <a:effectLst/>
+                        </a:rPr>
+                        <a:t> </a:t>
+                      </a:r>
+                      <a:r>
+                        <a:rPr lang="en-150" sz="2400" b="0" i="0" u="none" strike="noStrike" noProof="0" dirty="0" err="1">
+                          <a:effectLst/>
+                        </a:rPr>
+                        <a:t>hij</a:t>
+                      </a:r>
+                      <a:r>
+                        <a:rPr lang="en-150" sz="2400" b="0" i="0" u="none" strike="noStrike" noProof="0" dirty="0">
+                          <a:effectLst/>
+                        </a:rPr>
+                        <a:t> </a:t>
+                      </a:r>
+                      <a:r>
+                        <a:rPr lang="en-150" sz="2400" b="0" i="0" u="none" strike="noStrike" noProof="0" dirty="0" err="1">
+                          <a:effectLst/>
+                        </a:rPr>
+                        <a:t>drukt</a:t>
+                      </a:r>
+                      <a:r>
+                        <a:rPr lang="en-150" sz="2400" b="0" i="0" u="none" strike="noStrike" noProof="0" dirty="0">
+                          <a:effectLst/>
+                        </a:rPr>
+                        <a:t> op de “home” knop in de navbar</a:t>
+                      </a:r>
+                      <a:endParaRPr lang="tr-TR" sz="2400" b="0" i="0" u="none" strike="noStrike" noProof="0" dirty="0">
+                        <a:effectLst/>
+                      </a:endParaRPr>
+                    </a:p>
+                  </a:txBody>
+                  <a:tcPr marL="68580" marR="68580" marT="0" marB="0"/>
+                </a:tc>
+                <a:tc hMerge="1">
+                  <a:txBody>
+                    <a:bodyPr/>
+                    <a:lstStyle/>
+                    <a:p>
+                      <a:endParaRPr lang="nl-NL"/>
+                    </a:p>
+                  </a:txBody>
+                  <a:tcPr/>
+                </a:tc>
+                <a:tc hMerge="1">
+                  <a:txBody>
+                    <a:bodyPr/>
+                    <a:lstStyle/>
+                    <a:p>
+                      <a:endParaRPr lang="nl-NL"/>
+                    </a:p>
+                  </a:txBody>
+                  <a:tcPr/>
+                </a:tc>
+                <a:tc hMerge="1">
+                  <a:txBody>
+                    <a:bodyPr/>
+                    <a:lstStyle/>
+                    <a:p>
+                      <a:endParaRPr lang="nl-NL"/>
+                    </a:p>
+                  </a:txBody>
+                  <a:tcPr/>
+                </a:tc>
+                <a:tc hMerge="1">
+                  <a:txBody>
+                    <a:bodyPr/>
+                    <a:lstStyle/>
+                    <a:p>
+                      <a:endParaRPr lang="nl-NL"/>
+                    </a:p>
+                  </a:txBody>
+                  <a:tcPr/>
+                </a:tc>
+                <a:tc hMerge="1">
+                  <a:txBody>
+                    <a:bodyPr/>
+                    <a:lstStyle/>
+                    <a:p>
+                      <a:endParaRPr lang="nl-NL"/>
+                    </a:p>
+                  </a:txBody>
+                  <a:tcPr/>
+                </a:tc>
+                <a:extLst>
+                  <a:ext uri="{0D108BD9-81ED-4DB2-BD59-A6C34878D82A}">
+                    <a16:rowId xmlns:a16="http://schemas.microsoft.com/office/drawing/2014/main" val="4180682204"/>
+                  </a:ext>
+                </a:extLst>
+              </a:tr>
+              <a:tr h="1143000">
+                <a:tc>
+                  <a:txBody>
+                    <a:bodyPr/>
+                    <a:lstStyle/>
+                    <a:p>
+                      <a:pPr>
+                        <a:lnSpc>
+                          <a:spcPct val="115000"/>
+                        </a:lnSpc>
+                        <a:spcAft>
+                          <a:spcPts val="600"/>
+                        </a:spcAft>
+                      </a:pPr>
+                      <a:r>
+                        <a:rPr lang="nl-NL" sz="2400" dirty="0">
+                          <a:effectLst/>
+                        </a:rPr>
+                        <a:t>Verwacht resultaat</a:t>
+                      </a:r>
+                      <a:endParaRPr lang="nl-NL" sz="2400" dirty="0">
+                        <a:effectLst/>
+                        <a:latin typeface="Calibri" panose="020F0502020204030204" pitchFamily="34" charset="0"/>
+                        <a:ea typeface="Calibri" panose="020F0502020204030204" pitchFamily="34" charset="0"/>
+                        <a:cs typeface="Times New Roman" panose="02020603050405020304" pitchFamily="18" charset="0"/>
+                      </a:endParaRPr>
+                    </a:p>
+                  </a:txBody>
+                  <a:tcPr marL="68580" marR="68580" marT="0" marB="0"/>
+                </a:tc>
+                <a:tc gridSpan="6">
+                  <a:txBody>
+                    <a:bodyPr/>
+                    <a:lstStyle/>
+                    <a:p>
+                      <a:pPr>
+                        <a:lnSpc>
+                          <a:spcPct val="115000"/>
+                        </a:lnSpc>
+                        <a:spcAft>
+                          <a:spcPts val="600"/>
+                        </a:spcAft>
+                      </a:pPr>
+                      <a:r>
+                        <a:rPr lang="en-150" sz="2400" dirty="0">
+                          <a:effectLst/>
+                          <a:latin typeface="Calibri"/>
+                          <a:ea typeface="Calibri"/>
+                          <a:cs typeface="Times New Roman"/>
+                        </a:rPr>
+                        <a:t>De user </a:t>
+                      </a:r>
+                      <a:r>
+                        <a:rPr lang="en-150" sz="2400" dirty="0" err="1">
+                          <a:effectLst/>
+                          <a:latin typeface="Calibri"/>
+                          <a:ea typeface="Calibri"/>
+                          <a:cs typeface="Times New Roman"/>
+                        </a:rPr>
+                        <a:t>gaat</a:t>
+                      </a:r>
+                      <a:r>
+                        <a:rPr lang="en-150" sz="2400" dirty="0">
+                          <a:effectLst/>
+                          <a:latin typeface="Calibri"/>
+                          <a:ea typeface="Calibri"/>
+                          <a:cs typeface="Times New Roman"/>
+                        </a:rPr>
+                        <a:t> </a:t>
+                      </a:r>
+                      <a:r>
+                        <a:rPr lang="en-150" sz="2400" dirty="0" err="1">
+                          <a:effectLst/>
+                          <a:latin typeface="Calibri"/>
+                          <a:ea typeface="Calibri"/>
+                          <a:cs typeface="Times New Roman"/>
+                        </a:rPr>
+                        <a:t>naar</a:t>
+                      </a:r>
+                      <a:r>
+                        <a:rPr lang="en-150" sz="2400" dirty="0">
+                          <a:effectLst/>
+                          <a:latin typeface="Calibri"/>
+                          <a:ea typeface="Calibri"/>
+                          <a:cs typeface="Times New Roman"/>
+                        </a:rPr>
+                        <a:t> de home page van de website.</a:t>
+                      </a:r>
+                      <a:endParaRPr lang="tr-TR" sz="2400" dirty="0">
+                        <a:effectLst/>
+                        <a:latin typeface="Calibri"/>
+                        <a:ea typeface="Calibri"/>
+                        <a:cs typeface="Times New Roman"/>
+                      </a:endParaRPr>
+                    </a:p>
+                  </a:txBody>
+                  <a:tcPr marL="68580" marR="68580" marT="0" marB="0"/>
+                </a:tc>
+                <a:tc hMerge="1">
+                  <a:txBody>
+                    <a:bodyPr/>
+                    <a:lstStyle/>
+                    <a:p>
+                      <a:endParaRPr lang="nl-NL"/>
+                    </a:p>
+                  </a:txBody>
+                  <a:tcPr/>
+                </a:tc>
+                <a:tc hMerge="1">
+                  <a:txBody>
+                    <a:bodyPr/>
+                    <a:lstStyle/>
+                    <a:p>
+                      <a:endParaRPr lang="nl-NL"/>
+                    </a:p>
+                  </a:txBody>
+                  <a:tcPr/>
+                </a:tc>
+                <a:tc hMerge="1">
+                  <a:txBody>
+                    <a:bodyPr/>
+                    <a:lstStyle/>
+                    <a:p>
+                      <a:endParaRPr lang="nl-NL"/>
+                    </a:p>
+                  </a:txBody>
+                  <a:tcPr/>
+                </a:tc>
+                <a:tc hMerge="1">
+                  <a:txBody>
+                    <a:bodyPr/>
+                    <a:lstStyle/>
+                    <a:p>
+                      <a:endParaRPr lang="nl-NL"/>
+                    </a:p>
+                  </a:txBody>
+                  <a:tcPr/>
+                </a:tc>
+                <a:tc hMerge="1">
+                  <a:txBody>
+                    <a:bodyPr/>
+                    <a:lstStyle/>
+                    <a:p>
+                      <a:endParaRPr lang="nl-NL"/>
+                    </a:p>
+                  </a:txBody>
+                  <a:tcPr/>
+                </a:tc>
+                <a:extLst>
+                  <a:ext uri="{0D108BD9-81ED-4DB2-BD59-A6C34878D82A}">
+                    <a16:rowId xmlns:a16="http://schemas.microsoft.com/office/drawing/2014/main" val="4158795346"/>
+                  </a:ext>
+                </a:extLst>
+              </a:tr>
+              <a:tr h="1143000">
+                <a:tc>
+                  <a:txBody>
+                    <a:bodyPr/>
+                    <a:lstStyle/>
+                    <a:p>
+                      <a:pPr>
+                        <a:lnSpc>
+                          <a:spcPct val="115000"/>
+                        </a:lnSpc>
+                        <a:spcAft>
+                          <a:spcPts val="600"/>
+                        </a:spcAft>
+                      </a:pPr>
+                      <a:r>
+                        <a:rPr lang="nl-NL" sz="2400" dirty="0">
+                          <a:effectLst/>
+                        </a:rPr>
+                        <a:t>Aanpassingen</a:t>
+                      </a:r>
+                      <a:endParaRPr lang="nl-NL" sz="2400" dirty="0">
+                        <a:effectLst/>
+                        <a:latin typeface="Calibri" panose="020F0502020204030204" pitchFamily="34" charset="0"/>
+                        <a:ea typeface="Calibri" panose="020F0502020204030204" pitchFamily="34" charset="0"/>
+                        <a:cs typeface="Times New Roman" panose="02020603050405020304" pitchFamily="18" charset="0"/>
+                      </a:endParaRPr>
+                    </a:p>
+                  </a:txBody>
+                  <a:tcPr marL="68580" marR="0" marT="0" marB="0"/>
+                </a:tc>
+                <a:tc gridSpan="6">
+                  <a:txBody>
+                    <a:bodyPr/>
+                    <a:lstStyle/>
+                    <a:p>
+                      <a:pPr>
+                        <a:lnSpc>
+                          <a:spcPct val="115000"/>
+                        </a:lnSpc>
+                        <a:spcAft>
+                          <a:spcPts val="600"/>
+                        </a:spcAft>
+                      </a:pPr>
+                      <a:r>
+                        <a:rPr lang="nl-NL" sz="2400" dirty="0">
+                          <a:effectLst/>
+                        </a:rPr>
+                        <a:t> </a:t>
+                      </a:r>
+                      <a:r>
+                        <a:rPr lang="tr-TR" sz="2400" dirty="0" err="1">
+                          <a:effectLst/>
+                        </a:rPr>
+                        <a:t>niet</a:t>
+                      </a:r>
+                      <a:r>
+                        <a:rPr lang="tr-TR" sz="2400" dirty="0">
+                          <a:effectLst/>
+                        </a:rPr>
+                        <a:t> </a:t>
+                      </a:r>
+                      <a:r>
+                        <a:rPr lang="tr-TR" sz="2400" dirty="0" err="1">
+                          <a:effectLst/>
+                        </a:rPr>
+                        <a:t>nodig</a:t>
+                      </a:r>
+                      <a:endParaRPr lang="nl-NL" sz="2400" dirty="0">
+                        <a:effectLst/>
+                        <a:latin typeface="Calibri" panose="020F0502020204030204" pitchFamily="34" charset="0"/>
+                        <a:ea typeface="Calibri" panose="020F0502020204030204" pitchFamily="34" charset="0"/>
+                        <a:cs typeface="Times New Roman" panose="02020603050405020304" pitchFamily="18" charset="0"/>
+                      </a:endParaRPr>
+                    </a:p>
+                  </a:txBody>
+                  <a:tcPr marL="68580" marR="68580" marT="0" marB="0"/>
+                </a:tc>
+                <a:tc hMerge="1">
+                  <a:txBody>
+                    <a:bodyPr/>
+                    <a:lstStyle/>
+                    <a:p>
+                      <a:endParaRPr lang="nl-NL"/>
+                    </a:p>
+                  </a:txBody>
+                  <a:tcPr/>
+                </a:tc>
+                <a:tc hMerge="1">
+                  <a:txBody>
+                    <a:bodyPr/>
+                    <a:lstStyle/>
+                    <a:p>
+                      <a:endParaRPr lang="nl-NL"/>
+                    </a:p>
+                  </a:txBody>
+                  <a:tcPr/>
+                </a:tc>
+                <a:tc hMerge="1">
+                  <a:txBody>
+                    <a:bodyPr/>
+                    <a:lstStyle/>
+                    <a:p>
+                      <a:endParaRPr lang="nl-NL"/>
+                    </a:p>
+                  </a:txBody>
+                  <a:tcPr/>
+                </a:tc>
+                <a:tc hMerge="1">
+                  <a:txBody>
+                    <a:bodyPr/>
+                    <a:lstStyle/>
+                    <a:p>
+                      <a:endParaRPr lang="nl-NL"/>
+                    </a:p>
+                  </a:txBody>
+                  <a:tcPr/>
+                </a:tc>
+                <a:tc hMerge="1">
+                  <a:txBody>
+                    <a:bodyPr/>
+                    <a:lstStyle/>
+                    <a:p>
+                      <a:endParaRPr lang="nl-NL"/>
+                    </a:p>
+                  </a:txBody>
+                  <a:tcPr/>
+                </a:tc>
+                <a:extLst>
+                  <a:ext uri="{0D108BD9-81ED-4DB2-BD59-A6C34878D82A}">
+                    <a16:rowId xmlns:a16="http://schemas.microsoft.com/office/drawing/2014/main" val="2166289208"/>
+                  </a:ext>
+                </a:extLst>
+              </a:tr>
+              <a:tr h="1143000">
+                <a:tc>
+                  <a:txBody>
+                    <a:bodyPr/>
+                    <a:lstStyle/>
+                    <a:p>
+                      <a:pPr>
+                        <a:lnSpc>
+                          <a:spcPct val="115000"/>
+                        </a:lnSpc>
+                        <a:spcAft>
+                          <a:spcPts val="600"/>
+                        </a:spcAft>
+                      </a:pPr>
+                      <a:r>
+                        <a:rPr lang="nl-NL" sz="2400" dirty="0">
+                          <a:effectLst/>
+                        </a:rPr>
+                        <a:t>Uitvoering</a:t>
+                      </a:r>
+                      <a:endParaRPr lang="nl-NL" sz="2400" dirty="0">
+                        <a:effectLst/>
+                        <a:latin typeface="Calibri" panose="020F0502020204030204" pitchFamily="34" charset="0"/>
+                        <a:ea typeface="Calibri" panose="020F0502020204030204" pitchFamily="34" charset="0"/>
+                        <a:cs typeface="Times New Roman" panose="02020603050405020304" pitchFamily="18" charset="0"/>
+                      </a:endParaRPr>
+                    </a:p>
+                  </a:txBody>
+                  <a:tcPr marL="68580" marR="68580" marT="0" marB="0"/>
+                </a:tc>
+                <a:tc>
+                  <a:txBody>
+                    <a:bodyPr/>
+                    <a:lstStyle/>
+                    <a:p>
+                      <a:pPr>
+                        <a:lnSpc>
+                          <a:spcPct val="106000"/>
+                        </a:lnSpc>
+                        <a:spcAft>
+                          <a:spcPts val="600"/>
+                        </a:spcAft>
+                      </a:pPr>
+                      <a:r>
+                        <a:rPr lang="nl-NL" sz="2400" dirty="0">
+                          <a:effectLst/>
+                        </a:rPr>
+                        <a:t>Uren</a:t>
+                      </a:r>
+                      <a:endParaRPr lang="nl-NL" sz="2400" dirty="0">
+                        <a:effectLst/>
+                        <a:latin typeface="Calibri" panose="020F0502020204030204" pitchFamily="34" charset="0"/>
+                        <a:ea typeface="Calibri" panose="020F0502020204030204" pitchFamily="34" charset="0"/>
+                        <a:cs typeface="Times New Roman" panose="02020603050405020304" pitchFamily="18" charset="0"/>
+                      </a:endParaRPr>
+                    </a:p>
+                  </a:txBody>
+                  <a:tcPr marL="68580" marR="68580" marT="0" marB="0"/>
+                </a:tc>
+                <a:tc>
+                  <a:txBody>
+                    <a:bodyPr/>
+                    <a:lstStyle/>
+                    <a:p>
+                      <a:pPr>
+                        <a:lnSpc>
+                          <a:spcPct val="106000"/>
+                        </a:lnSpc>
+                        <a:spcAft>
+                          <a:spcPts val="600"/>
+                        </a:spcAft>
+                      </a:pPr>
+                      <a:endParaRPr lang="nl-NL" sz="2400" dirty="0">
+                        <a:effectLst/>
+                        <a:latin typeface="Calibri" panose="020F0502020204030204" pitchFamily="34" charset="0"/>
+                        <a:ea typeface="Calibri" panose="020F0502020204030204" pitchFamily="34" charset="0"/>
+                        <a:cs typeface="Times New Roman" panose="02020603050405020304" pitchFamily="18" charset="0"/>
+                      </a:endParaRPr>
+                    </a:p>
+                  </a:txBody>
+                  <a:tcPr marL="68580" marR="68580" marT="0" marB="0"/>
+                </a:tc>
+                <a:tc>
+                  <a:txBody>
+                    <a:bodyPr/>
+                    <a:lstStyle/>
+                    <a:p>
+                      <a:pPr>
+                        <a:lnSpc>
+                          <a:spcPct val="115000"/>
+                        </a:lnSpc>
+                        <a:spcAft>
+                          <a:spcPts val="600"/>
+                        </a:spcAft>
+                      </a:pPr>
+                      <a:r>
+                        <a:rPr lang="nl-NL" sz="2400" dirty="0">
+                          <a:effectLst/>
+                        </a:rPr>
+                        <a:t>Prioriteit</a:t>
+                      </a:r>
+                      <a:r>
+                        <a:rPr lang="nl-NL" sz="2400" baseline="30000" dirty="0">
+                          <a:effectLst/>
+                        </a:rPr>
+                        <a:t>*</a:t>
+                      </a:r>
+                      <a:endParaRPr lang="nl-NL" sz="2400" dirty="0">
+                        <a:effectLst/>
+                        <a:latin typeface="Calibri" panose="020F0502020204030204" pitchFamily="34" charset="0"/>
+                        <a:ea typeface="Calibri" panose="020F0502020204030204" pitchFamily="34" charset="0"/>
+                        <a:cs typeface="Times New Roman" panose="02020603050405020304" pitchFamily="18" charset="0"/>
+                      </a:endParaRPr>
+                    </a:p>
+                  </a:txBody>
+                  <a:tcPr marL="68580" marR="68580" marT="0" marB="0"/>
+                </a:tc>
+                <a:tc>
+                  <a:txBody>
+                    <a:bodyPr/>
+                    <a:lstStyle/>
+                    <a:p>
+                      <a:pPr>
+                        <a:lnSpc>
+                          <a:spcPct val="115000"/>
+                        </a:lnSpc>
+                        <a:spcAft>
+                          <a:spcPts val="600"/>
+                        </a:spcAft>
+                      </a:pPr>
+                      <a:endParaRPr lang="nl-NL" sz="2400" dirty="0">
+                        <a:effectLst/>
+                        <a:latin typeface="Calibri" panose="020F0502020204030204" pitchFamily="34" charset="0"/>
+                        <a:ea typeface="Calibri" panose="020F0502020204030204" pitchFamily="34" charset="0"/>
+                        <a:cs typeface="Times New Roman" panose="02020603050405020304" pitchFamily="18" charset="0"/>
+                      </a:endParaRPr>
+                    </a:p>
+                  </a:txBody>
+                  <a:tcPr marL="68580" marR="68580" marT="0" marB="0"/>
+                </a:tc>
+                <a:tc>
+                  <a:txBody>
+                    <a:bodyPr/>
+                    <a:lstStyle/>
+                    <a:p>
+                      <a:pPr>
+                        <a:lnSpc>
+                          <a:spcPct val="115000"/>
+                        </a:lnSpc>
+                        <a:spcAft>
+                          <a:spcPts val="600"/>
+                        </a:spcAft>
+                      </a:pPr>
+                      <a:r>
+                        <a:rPr lang="nl-NL" sz="2400" dirty="0">
+                          <a:effectLst/>
+                        </a:rPr>
+                        <a:t>Door</a:t>
+                      </a:r>
+                      <a:endParaRPr lang="nl-NL" sz="2400" dirty="0">
+                        <a:effectLst/>
+                        <a:latin typeface="Calibri" panose="020F0502020204030204" pitchFamily="34" charset="0"/>
+                        <a:ea typeface="Calibri" panose="020F0502020204030204" pitchFamily="34" charset="0"/>
+                        <a:cs typeface="Times New Roman" panose="02020603050405020304" pitchFamily="18" charset="0"/>
+                      </a:endParaRPr>
+                    </a:p>
+                  </a:txBody>
+                  <a:tcPr marL="68580" marR="68580" marT="0" marB="0"/>
+                </a:tc>
+                <a:tc>
+                  <a:txBody>
+                    <a:bodyPr/>
+                    <a:lstStyle/>
+                    <a:p>
+                      <a:pPr>
+                        <a:lnSpc>
+                          <a:spcPct val="115000"/>
+                        </a:lnSpc>
+                        <a:spcAft>
+                          <a:spcPts val="600"/>
+                        </a:spcAft>
+                      </a:pPr>
+                      <a:r>
+                        <a:rPr lang="nl-NL" sz="2400" dirty="0">
+                          <a:effectLst/>
+                        </a:rPr>
+                        <a:t> </a:t>
+                      </a:r>
+                      <a:endParaRPr lang="nl-NL" sz="2400" dirty="0">
+                        <a:effectLst/>
+                        <a:latin typeface="Calibri" panose="020F0502020204030204" pitchFamily="34" charset="0"/>
+                        <a:ea typeface="Calibri" panose="020F0502020204030204" pitchFamily="34" charset="0"/>
+                        <a:cs typeface="Times New Roman" panose="02020603050405020304" pitchFamily="18" charset="0"/>
+                      </a:endParaRPr>
+                    </a:p>
+                  </a:txBody>
+                  <a:tcPr marL="68580" marR="68580" marT="0" marB="0"/>
+                </a:tc>
+                <a:extLst>
+                  <a:ext uri="{0D108BD9-81ED-4DB2-BD59-A6C34878D82A}">
+                    <a16:rowId xmlns:a16="http://schemas.microsoft.com/office/drawing/2014/main" val="3096493619"/>
+                  </a:ext>
+                </a:extLst>
+              </a:tr>
+            </a:tbl>
+          </a:graphicData>
+        </a:graphic>
+      </p:graphicFrame>
+    </p:spTree>
+    <p:extLst>
+      <p:ext uri="{BB962C8B-B14F-4D97-AF65-F5344CB8AC3E}">
+        <p14:creationId xmlns:p14="http://schemas.microsoft.com/office/powerpoint/2010/main" val="3123752195"/>
+      </p:ext>
+    </p:extLst>
+  </p:cSld>
+  <p:clrMapOvr>
+    <a:masterClrMapping/>
+  </p:clrMapOvr>
+</p:sld>
+</file>
+
+<file path=ppt/slides/slide7.xml><?xml version="1.0" encoding="utf-8"?>
+<p:sld xmlns:a="http://schemas.openxmlformats.org/drawingml/2006/main" xmlns:r="http://schemas.openxmlformats.org/officeDocument/2006/relationships" xmlns:p="http://schemas.openxmlformats.org/presentationml/2006/main">
+  <p:cSld>
+    <p:spTree>
+      <p:nvGrpSpPr>
+        <p:cNvPr id="1" name=""/>
+        <p:cNvGrpSpPr/>
+        <p:nvPr/>
+      </p:nvGrpSpPr>
+      <p:grpSpPr>
+        <a:xfrm>
+          <a:off x="0" y="0"/>
+          <a:ext cx="0" cy="0"/>
+          <a:chOff x="0" y="0"/>
+          <a:chExt cx="0" cy="0"/>
+        </a:xfrm>
+      </p:grpSpPr>
+      <p:sp>
+        <p:nvSpPr>
+          <p:cNvPr id="2" name="Titel 1">
+            <a:extLst>
+              <a:ext uri="{FF2B5EF4-FFF2-40B4-BE49-F238E27FC236}">
+                <a16:creationId xmlns:a16="http://schemas.microsoft.com/office/drawing/2014/main" id="{0F0B3A1C-8C51-4740-81E6-25580284077A}"/>
+              </a:ext>
+            </a:extLst>
+          </p:cNvPr>
+          <p:cNvSpPr>
+            <a:spLocks noGrp="1"/>
+          </p:cNvSpPr>
+          <p:nvPr>
+            <p:ph type="title"/>
+          </p:nvPr>
+        </p:nvSpPr>
+        <p:spPr>
+          <a:xfrm>
+            <a:off x="756091" y="452086"/>
+            <a:ext cx="8596668" cy="1320800"/>
+          </a:xfrm>
+        </p:spPr>
+        <p:txBody>
+          <a:bodyPr/>
+          <a:lstStyle/>
+          <a:p>
+            <a:endParaRPr lang="nl-NL" dirty="0"/>
+          </a:p>
+        </p:txBody>
+      </p:sp>
+      <p:graphicFrame>
+        <p:nvGraphicFramePr>
+          <p:cNvPr id="6" name="Tijdelijke aanduiding voor inhoud 5">
+            <a:extLst>
+              <a:ext uri="{FF2B5EF4-FFF2-40B4-BE49-F238E27FC236}">
+                <a16:creationId xmlns:a16="http://schemas.microsoft.com/office/drawing/2014/main" id="{BDCC85D0-5AF5-45FD-B8FD-C4B0A1DC91F7}"/>
+              </a:ext>
+            </a:extLst>
+          </p:cNvPr>
+          <p:cNvGraphicFramePr>
+            <a:graphicFrameLocks noGrp="1"/>
+          </p:cNvGraphicFramePr>
+          <p:nvPr>
+            <p:ph idx="1"/>
+            <p:extLst>
+              <p:ext uri="{D42A27DB-BD31-4B8C-83A1-F6EECF244321}">
+                <p14:modId xmlns:p14="http://schemas.microsoft.com/office/powerpoint/2010/main" val="284398828"/>
+              </p:ext>
+            </p:extLst>
+          </p:nvPr>
+        </p:nvGraphicFramePr>
+        <p:xfrm>
+          <a:off x="0" y="0"/>
+          <a:ext cx="12191993" cy="5715000"/>
+        </p:xfrm>
+        <a:graphic>
+          <a:graphicData uri="http://schemas.openxmlformats.org/drawingml/2006/table">
+            <a:tbl>
+              <a:tblPr firstRow="1" firstCol="1" lastRow="1" lastCol="1" bandRow="1" bandCol="1">
+                <a:tableStyleId>{5C22544A-7EE6-4342-B048-85BDC9FD1C3A}</a:tableStyleId>
+              </a:tblPr>
+              <a:tblGrid>
+                <a:gridCol w="2449285">
+                  <a:extLst>
+                    <a:ext uri="{9D8B030D-6E8A-4147-A177-3AD203B41FA5}">
+                      <a16:colId xmlns:a16="http://schemas.microsoft.com/office/drawing/2014/main" val="637731259"/>
+                    </a:ext>
+                  </a:extLst>
+                </a:gridCol>
+                <a:gridCol w="1103462">
+                  <a:extLst>
+                    <a:ext uri="{9D8B030D-6E8A-4147-A177-3AD203B41FA5}">
+                      <a16:colId xmlns:a16="http://schemas.microsoft.com/office/drawing/2014/main" val="3621273301"/>
+                    </a:ext>
+                  </a:extLst>
+                </a:gridCol>
+                <a:gridCol w="1955595">
+                  <a:extLst>
+                    <a:ext uri="{9D8B030D-6E8A-4147-A177-3AD203B41FA5}">
+                      <a16:colId xmlns:a16="http://schemas.microsoft.com/office/drawing/2014/main" val="3261718528"/>
+                    </a:ext>
+                  </a:extLst>
+                </a:gridCol>
+                <a:gridCol w="1363064">
+                  <a:extLst>
+                    <a:ext uri="{9D8B030D-6E8A-4147-A177-3AD203B41FA5}">
+                      <a16:colId xmlns:a16="http://schemas.microsoft.com/office/drawing/2014/main" val="3580709575"/>
+                    </a:ext>
+                  </a:extLst>
+                </a:gridCol>
+                <a:gridCol w="2204314">
+                  <a:extLst>
+                    <a:ext uri="{9D8B030D-6E8A-4147-A177-3AD203B41FA5}">
+                      <a16:colId xmlns:a16="http://schemas.microsoft.com/office/drawing/2014/main" val="2998393212"/>
+                    </a:ext>
+                  </a:extLst>
+                </a:gridCol>
+                <a:gridCol w="882699">
+                  <a:extLst>
+                    <a:ext uri="{9D8B030D-6E8A-4147-A177-3AD203B41FA5}">
+                      <a16:colId xmlns:a16="http://schemas.microsoft.com/office/drawing/2014/main" val="3931386789"/>
+                    </a:ext>
+                  </a:extLst>
+                </a:gridCol>
+                <a:gridCol w="2233574">
+                  <a:extLst>
+                    <a:ext uri="{9D8B030D-6E8A-4147-A177-3AD203B41FA5}">
+                      <a16:colId xmlns:a16="http://schemas.microsoft.com/office/drawing/2014/main" val="2456682271"/>
+                    </a:ext>
+                  </a:extLst>
+                </a:gridCol>
+              </a:tblGrid>
+              <a:tr h="1143000">
+                <a:tc>
+                  <a:txBody>
+                    <a:bodyPr/>
+                    <a:lstStyle/>
+                    <a:p>
+                      <a:pPr>
+                        <a:lnSpc>
+                          <a:spcPct val="115000"/>
+                        </a:lnSpc>
+                        <a:spcAft>
+                          <a:spcPts val="600"/>
+                        </a:spcAft>
+                      </a:pPr>
+                      <a:r>
+                        <a:rPr lang="nl-NL" sz="2400" dirty="0">
+                          <a:effectLst/>
+                        </a:rPr>
+                        <a:t>Actie</a:t>
+                      </a:r>
+                      <a:endParaRPr lang="nl-NL" sz="2400" dirty="0">
+                        <a:effectLst/>
+                        <a:latin typeface="Calibri" panose="020F0502020204030204" pitchFamily="34" charset="0"/>
+                        <a:ea typeface="Calibri" panose="020F0502020204030204" pitchFamily="34" charset="0"/>
+                        <a:cs typeface="Times New Roman" panose="02020603050405020304" pitchFamily="18" charset="0"/>
+                      </a:endParaRPr>
+                    </a:p>
+                  </a:txBody>
+                  <a:tcPr marL="68580" marR="68580" marT="0" marB="0"/>
+                </a:tc>
+                <a:tc gridSpan="6">
+                  <a:txBody>
+                    <a:bodyPr/>
+                    <a:lstStyle/>
+                    <a:p>
+                      <a:pPr lvl="0">
+                        <a:lnSpc>
+                          <a:spcPct val="114999"/>
+                        </a:lnSpc>
+                        <a:spcAft>
+                          <a:spcPts val="600"/>
+                        </a:spcAft>
+                        <a:buNone/>
+                      </a:pPr>
+                      <a:r>
+                        <a:rPr lang="en-150" sz="2400" dirty="0">
+                          <a:effectLst/>
+                          <a:latin typeface="Calibri"/>
+                          <a:ea typeface="Calibri"/>
+                          <a:cs typeface="Times New Roman"/>
+                        </a:rPr>
+                        <a:t>Admin wilt </a:t>
+                      </a:r>
+                      <a:r>
+                        <a:rPr lang="en-150" sz="2400" dirty="0" err="1">
+                          <a:effectLst/>
+                          <a:latin typeface="Calibri"/>
+                          <a:ea typeface="Calibri"/>
+                          <a:cs typeface="Times New Roman"/>
+                        </a:rPr>
+                        <a:t>inloggen</a:t>
+                      </a:r>
+                      <a:endParaRPr lang="tr-TR" sz="2400" dirty="0">
+                        <a:effectLst/>
+                        <a:latin typeface="Calibri"/>
+                        <a:ea typeface="Calibri"/>
+                        <a:cs typeface="Times New Roman"/>
+                      </a:endParaRPr>
+                    </a:p>
+                  </a:txBody>
+                  <a:tcPr marL="68580" marR="68580" marT="0" marB="0"/>
+                </a:tc>
+                <a:tc hMerge="1">
+                  <a:txBody>
+                    <a:bodyPr/>
+                    <a:lstStyle/>
+                    <a:p>
+                      <a:endParaRPr lang="nl-NL"/>
+                    </a:p>
+                  </a:txBody>
+                  <a:tcPr/>
+                </a:tc>
+                <a:tc hMerge="1">
+                  <a:txBody>
+                    <a:bodyPr/>
+                    <a:lstStyle/>
+                    <a:p>
+                      <a:endParaRPr lang="nl-NL"/>
+                    </a:p>
+                  </a:txBody>
+                  <a:tcPr/>
+                </a:tc>
+                <a:tc hMerge="1">
+                  <a:txBody>
+                    <a:bodyPr/>
+                    <a:lstStyle/>
+                    <a:p>
+                      <a:endParaRPr lang="nl-NL"/>
+                    </a:p>
+                  </a:txBody>
+                  <a:tcPr/>
+                </a:tc>
+                <a:tc hMerge="1">
+                  <a:txBody>
+                    <a:bodyPr/>
+                    <a:lstStyle/>
+                    <a:p>
+                      <a:endParaRPr lang="nl-NL"/>
+                    </a:p>
+                  </a:txBody>
+                  <a:tcPr/>
+                </a:tc>
+                <a:tc hMerge="1">
+                  <a:txBody>
+                    <a:bodyPr/>
+                    <a:lstStyle/>
+                    <a:p>
+                      <a:endParaRPr lang="nl-NL"/>
+                    </a:p>
+                  </a:txBody>
+                  <a:tcPr/>
+                </a:tc>
+                <a:extLst>
+                  <a:ext uri="{0D108BD9-81ED-4DB2-BD59-A6C34878D82A}">
+                    <a16:rowId xmlns:a16="http://schemas.microsoft.com/office/drawing/2014/main" val="3841254077"/>
+                  </a:ext>
+                </a:extLst>
+              </a:tr>
+              <a:tr h="1143000">
+                <a:tc>
+                  <a:txBody>
+                    <a:bodyPr/>
+                    <a:lstStyle/>
+                    <a:p>
+                      <a:pPr>
+                        <a:lnSpc>
+                          <a:spcPct val="115000"/>
+                        </a:lnSpc>
+                        <a:spcAft>
+                          <a:spcPts val="600"/>
+                        </a:spcAft>
+                      </a:pPr>
+                      <a:r>
+                        <a:rPr lang="nl-NL" sz="2400" dirty="0">
+                          <a:effectLst/>
+                        </a:rPr>
+                        <a:t>Scenario</a:t>
+                      </a:r>
+                      <a:endParaRPr lang="nl-NL" sz="2400" dirty="0">
+                        <a:effectLst/>
+                        <a:latin typeface="Calibri" panose="020F0502020204030204" pitchFamily="34" charset="0"/>
+                        <a:ea typeface="Calibri" panose="020F0502020204030204" pitchFamily="34" charset="0"/>
+                        <a:cs typeface="Times New Roman" panose="02020603050405020304" pitchFamily="18" charset="0"/>
+                      </a:endParaRPr>
+                    </a:p>
+                  </a:txBody>
+                  <a:tcPr marL="68580" marR="68580" marT="0" marB="0"/>
+                </a:tc>
+                <a:tc gridSpan="6">
+                  <a:txBody>
+                    <a:bodyPr/>
+                    <a:lstStyle/>
+                    <a:p>
+                      <a:pPr lvl="0">
+                        <a:lnSpc>
+                          <a:spcPct val="114999"/>
+                        </a:lnSpc>
+                        <a:spcAft>
+                          <a:spcPts val="600"/>
+                        </a:spcAft>
+                        <a:buNone/>
+                      </a:pPr>
+                      <a:r>
+                        <a:rPr lang="en-150" sz="2400" b="0" i="0" u="none" strike="noStrike" noProof="0" dirty="0">
+                          <a:effectLst/>
+                        </a:rPr>
+                        <a:t>Admin </a:t>
+                      </a:r>
+                      <a:r>
+                        <a:rPr lang="en-150" sz="2400" b="0" i="0" u="none" strike="noStrike" noProof="0" dirty="0" err="1">
+                          <a:effectLst/>
+                        </a:rPr>
+                        <a:t>gaat</a:t>
+                      </a:r>
+                      <a:r>
+                        <a:rPr lang="en-150" sz="2400" b="0" i="0" u="none" strike="noStrike" noProof="0" dirty="0">
+                          <a:effectLst/>
+                        </a:rPr>
+                        <a:t> </a:t>
+                      </a:r>
+                      <a:r>
+                        <a:rPr lang="en-150" sz="2400" b="0" i="0" u="none" strike="noStrike" noProof="0" dirty="0" err="1">
+                          <a:effectLst/>
+                        </a:rPr>
+                        <a:t>inloggen</a:t>
+                      </a:r>
+                      <a:r>
+                        <a:rPr lang="en-150" sz="2400" b="0" i="0" u="none" strike="noStrike" noProof="0" dirty="0">
+                          <a:effectLst/>
+                        </a:rPr>
+                        <a:t> op </a:t>
+                      </a:r>
+                      <a:r>
+                        <a:rPr lang="en-150" sz="2400" b="0" i="0" u="none" strike="noStrike" noProof="0" dirty="0" err="1">
+                          <a:effectLst/>
+                        </a:rPr>
+                        <a:t>hun</a:t>
+                      </a:r>
+                      <a:r>
+                        <a:rPr lang="en-150" sz="2400" b="0" i="0" u="none" strike="noStrike" noProof="0" dirty="0">
+                          <a:effectLst/>
+                        </a:rPr>
+                        <a:t> admin page</a:t>
+                      </a:r>
+                      <a:endParaRPr lang="tr-TR" sz="2400" b="0" i="0" u="none" strike="noStrike" noProof="0" dirty="0">
+                        <a:effectLst/>
+                      </a:endParaRPr>
+                    </a:p>
+                  </a:txBody>
+                  <a:tcPr marL="68580" marR="68580" marT="0" marB="0"/>
+                </a:tc>
+                <a:tc hMerge="1">
+                  <a:txBody>
+                    <a:bodyPr/>
+                    <a:lstStyle/>
+                    <a:p>
+                      <a:endParaRPr lang="nl-NL"/>
+                    </a:p>
+                  </a:txBody>
+                  <a:tcPr/>
+                </a:tc>
+                <a:tc hMerge="1">
+                  <a:txBody>
+                    <a:bodyPr/>
+                    <a:lstStyle/>
+                    <a:p>
+                      <a:endParaRPr lang="nl-NL"/>
+                    </a:p>
+                  </a:txBody>
+                  <a:tcPr/>
+                </a:tc>
+                <a:tc hMerge="1">
+                  <a:txBody>
+                    <a:bodyPr/>
+                    <a:lstStyle/>
+                    <a:p>
+                      <a:endParaRPr lang="nl-NL"/>
+                    </a:p>
+                  </a:txBody>
+                  <a:tcPr/>
+                </a:tc>
+                <a:tc hMerge="1">
+                  <a:txBody>
+                    <a:bodyPr/>
+                    <a:lstStyle/>
+                    <a:p>
+                      <a:endParaRPr lang="nl-NL"/>
+                    </a:p>
+                  </a:txBody>
+                  <a:tcPr/>
+                </a:tc>
+                <a:tc hMerge="1">
+                  <a:txBody>
+                    <a:bodyPr/>
+                    <a:lstStyle/>
+                    <a:p>
+                      <a:endParaRPr lang="nl-NL"/>
+                    </a:p>
+                  </a:txBody>
+                  <a:tcPr/>
+                </a:tc>
+                <a:extLst>
+                  <a:ext uri="{0D108BD9-81ED-4DB2-BD59-A6C34878D82A}">
+                    <a16:rowId xmlns:a16="http://schemas.microsoft.com/office/drawing/2014/main" val="4180682204"/>
+                  </a:ext>
+                </a:extLst>
+              </a:tr>
+              <a:tr h="1143000">
+                <a:tc>
+                  <a:txBody>
+                    <a:bodyPr/>
+                    <a:lstStyle/>
+                    <a:p>
+                      <a:pPr>
+                        <a:lnSpc>
+                          <a:spcPct val="115000"/>
+                        </a:lnSpc>
+                        <a:spcAft>
+                          <a:spcPts val="600"/>
+                        </a:spcAft>
+                      </a:pPr>
+                      <a:r>
+                        <a:rPr lang="nl-NL" sz="2400" dirty="0">
+                          <a:effectLst/>
+                        </a:rPr>
+                        <a:t>Verwacht resultaat</a:t>
+                      </a:r>
+                      <a:endParaRPr lang="nl-NL" sz="2400" dirty="0">
+                        <a:effectLst/>
+                        <a:latin typeface="Calibri" panose="020F0502020204030204" pitchFamily="34" charset="0"/>
+                        <a:ea typeface="Calibri" panose="020F0502020204030204" pitchFamily="34" charset="0"/>
+                        <a:cs typeface="Times New Roman" panose="02020603050405020304" pitchFamily="18" charset="0"/>
+                      </a:endParaRPr>
+                    </a:p>
+                  </a:txBody>
+                  <a:tcPr marL="68580" marR="68580" marT="0" marB="0"/>
+                </a:tc>
+                <a:tc gridSpan="6">
+                  <a:txBody>
+                    <a:bodyPr/>
+                    <a:lstStyle/>
+                    <a:p>
+                      <a:pPr>
+                        <a:lnSpc>
+                          <a:spcPct val="115000"/>
+                        </a:lnSpc>
+                        <a:spcAft>
+                          <a:spcPts val="600"/>
+                        </a:spcAft>
+                      </a:pPr>
+                      <a:r>
+                        <a:rPr lang="en-150" sz="2400" dirty="0">
+                          <a:effectLst/>
+                          <a:latin typeface="Calibri"/>
+                          <a:ea typeface="Calibri"/>
+                          <a:cs typeface="Times New Roman"/>
+                        </a:rPr>
+                        <a:t>Als </a:t>
+                      </a:r>
+                      <a:r>
+                        <a:rPr lang="en-150" sz="2400" dirty="0" err="1">
+                          <a:effectLst/>
+                          <a:latin typeface="Calibri"/>
+                          <a:ea typeface="Calibri"/>
+                          <a:cs typeface="Times New Roman"/>
+                        </a:rPr>
+                        <a:t>hij</a:t>
+                      </a:r>
+                      <a:r>
+                        <a:rPr lang="en-150" sz="2400" dirty="0">
+                          <a:effectLst/>
+                          <a:latin typeface="Calibri"/>
+                          <a:ea typeface="Calibri"/>
+                          <a:cs typeface="Times New Roman"/>
+                        </a:rPr>
+                        <a:t> </a:t>
+                      </a:r>
+                      <a:r>
+                        <a:rPr lang="en-150" sz="2400" dirty="0" err="1">
+                          <a:effectLst/>
+                          <a:latin typeface="Calibri"/>
+                          <a:ea typeface="Calibri"/>
+                          <a:cs typeface="Times New Roman"/>
+                        </a:rPr>
+                        <a:t>gaat</a:t>
+                      </a:r>
+                      <a:r>
+                        <a:rPr lang="en-150" sz="2400" dirty="0">
+                          <a:effectLst/>
+                          <a:latin typeface="Calibri"/>
+                          <a:ea typeface="Calibri"/>
+                          <a:cs typeface="Times New Roman"/>
+                        </a:rPr>
+                        <a:t> </a:t>
+                      </a:r>
+                      <a:r>
+                        <a:rPr lang="en-150" sz="2400" dirty="0" err="1">
+                          <a:effectLst/>
+                          <a:latin typeface="Calibri"/>
+                          <a:ea typeface="Calibri"/>
+                          <a:cs typeface="Times New Roman"/>
+                        </a:rPr>
+                        <a:t>inloggen</a:t>
+                      </a:r>
+                      <a:r>
+                        <a:rPr lang="en-150" sz="2400" dirty="0">
+                          <a:effectLst/>
+                          <a:latin typeface="Calibri"/>
+                          <a:ea typeface="Calibri"/>
+                          <a:cs typeface="Times New Roman"/>
+                        </a:rPr>
+                        <a:t>, </a:t>
+                      </a:r>
+                      <a:r>
+                        <a:rPr lang="en-150" sz="2400" dirty="0" err="1">
+                          <a:effectLst/>
+                          <a:latin typeface="Calibri"/>
+                          <a:ea typeface="Calibri"/>
+                          <a:cs typeface="Times New Roman"/>
+                        </a:rPr>
+                        <a:t>hij</a:t>
+                      </a:r>
+                      <a:r>
+                        <a:rPr lang="en-150" sz="2400" dirty="0">
+                          <a:effectLst/>
+                          <a:latin typeface="Calibri"/>
+                          <a:ea typeface="Calibri"/>
+                          <a:cs typeface="Times New Roman"/>
+                        </a:rPr>
+                        <a:t> </a:t>
+                      </a:r>
+                      <a:r>
+                        <a:rPr lang="en-150" sz="2400" dirty="0" err="1">
+                          <a:effectLst/>
+                          <a:latin typeface="Calibri"/>
+                          <a:ea typeface="Calibri"/>
+                          <a:cs typeface="Times New Roman"/>
+                        </a:rPr>
+                        <a:t>wordt</a:t>
+                      </a:r>
+                      <a:r>
+                        <a:rPr lang="en-150" sz="2400" dirty="0">
+                          <a:effectLst/>
+                          <a:latin typeface="Calibri"/>
+                          <a:ea typeface="Calibri"/>
+                          <a:cs typeface="Times New Roman"/>
+                        </a:rPr>
+                        <a:t> </a:t>
+                      </a:r>
+                      <a:r>
+                        <a:rPr lang="en-150" sz="2400" dirty="0" err="1">
+                          <a:effectLst/>
+                          <a:latin typeface="Calibri"/>
+                          <a:ea typeface="Calibri"/>
+                          <a:cs typeface="Times New Roman"/>
+                        </a:rPr>
+                        <a:t>gestuurdt</a:t>
+                      </a:r>
+                      <a:r>
+                        <a:rPr lang="en-150" sz="2400" dirty="0">
+                          <a:effectLst/>
+                          <a:latin typeface="Calibri"/>
+                          <a:ea typeface="Calibri"/>
+                          <a:cs typeface="Times New Roman"/>
+                        </a:rPr>
+                        <a:t> </a:t>
+                      </a:r>
+                      <a:r>
+                        <a:rPr lang="en-150" sz="2400" dirty="0" err="1">
+                          <a:effectLst/>
+                          <a:latin typeface="Calibri"/>
+                          <a:ea typeface="Calibri"/>
+                          <a:cs typeface="Times New Roman"/>
+                        </a:rPr>
+                        <a:t>naar</a:t>
+                      </a:r>
+                      <a:r>
+                        <a:rPr lang="en-150" sz="2400" dirty="0">
+                          <a:effectLst/>
+                          <a:latin typeface="Calibri"/>
+                          <a:ea typeface="Calibri"/>
+                          <a:cs typeface="Times New Roman"/>
+                        </a:rPr>
+                        <a:t> </a:t>
+                      </a:r>
+                      <a:r>
+                        <a:rPr lang="en-150" sz="2400">
+                          <a:effectLst/>
+                          <a:latin typeface="Calibri"/>
+                          <a:ea typeface="Calibri"/>
+                          <a:cs typeface="Times New Roman"/>
+                        </a:rPr>
+                        <a:t>admin dashboard.</a:t>
+                      </a:r>
+                      <a:endParaRPr lang="tr-TR" sz="2400" dirty="0">
+                        <a:effectLst/>
+                        <a:latin typeface="Calibri"/>
+                        <a:ea typeface="Calibri"/>
+                        <a:cs typeface="Times New Roman"/>
+                      </a:endParaRPr>
+                    </a:p>
+                  </a:txBody>
+                  <a:tcPr marL="68580" marR="68580" marT="0" marB="0"/>
+                </a:tc>
+                <a:tc hMerge="1">
+                  <a:txBody>
+                    <a:bodyPr/>
+                    <a:lstStyle/>
+                    <a:p>
+                      <a:endParaRPr lang="nl-NL"/>
+                    </a:p>
+                  </a:txBody>
+                  <a:tcPr/>
+                </a:tc>
+                <a:tc hMerge="1">
+                  <a:txBody>
+                    <a:bodyPr/>
+                    <a:lstStyle/>
+                    <a:p>
+                      <a:endParaRPr lang="nl-NL"/>
+                    </a:p>
+                  </a:txBody>
+                  <a:tcPr/>
+                </a:tc>
+                <a:tc hMerge="1">
+                  <a:txBody>
+                    <a:bodyPr/>
+                    <a:lstStyle/>
+                    <a:p>
+                      <a:endParaRPr lang="nl-NL"/>
+                    </a:p>
+                  </a:txBody>
+                  <a:tcPr/>
+                </a:tc>
+                <a:tc hMerge="1">
+                  <a:txBody>
+                    <a:bodyPr/>
+                    <a:lstStyle/>
+                    <a:p>
+                      <a:endParaRPr lang="nl-NL"/>
+                    </a:p>
+                  </a:txBody>
+                  <a:tcPr/>
+                </a:tc>
+                <a:tc hMerge="1">
+                  <a:txBody>
+                    <a:bodyPr/>
+                    <a:lstStyle/>
+                    <a:p>
+                      <a:endParaRPr lang="nl-NL"/>
+                    </a:p>
+                  </a:txBody>
+                  <a:tcPr/>
+                </a:tc>
+                <a:extLst>
+                  <a:ext uri="{0D108BD9-81ED-4DB2-BD59-A6C34878D82A}">
+                    <a16:rowId xmlns:a16="http://schemas.microsoft.com/office/drawing/2014/main" val="4158795346"/>
+                  </a:ext>
+                </a:extLst>
+              </a:tr>
+              <a:tr h="1143000">
+                <a:tc>
+                  <a:txBody>
+                    <a:bodyPr/>
+                    <a:lstStyle/>
+                    <a:p>
+                      <a:pPr>
+                        <a:lnSpc>
+                          <a:spcPct val="115000"/>
+                        </a:lnSpc>
+                        <a:spcAft>
+                          <a:spcPts val="600"/>
+                        </a:spcAft>
+                      </a:pPr>
+                      <a:r>
+                        <a:rPr lang="nl-NL" sz="2400" dirty="0">
+                          <a:effectLst/>
+                        </a:rPr>
+                        <a:t>Aanpassingen</a:t>
+                      </a:r>
+                      <a:endParaRPr lang="nl-NL" sz="2400" dirty="0">
+                        <a:effectLst/>
+                        <a:latin typeface="Calibri" panose="020F0502020204030204" pitchFamily="34" charset="0"/>
+                        <a:ea typeface="Calibri" panose="020F0502020204030204" pitchFamily="34" charset="0"/>
+                        <a:cs typeface="Times New Roman" panose="02020603050405020304" pitchFamily="18" charset="0"/>
+                      </a:endParaRPr>
+                    </a:p>
+                  </a:txBody>
+                  <a:tcPr marL="68580" marR="0" marT="0" marB="0"/>
+                </a:tc>
+                <a:tc gridSpan="6">
+                  <a:txBody>
+                    <a:bodyPr/>
+                    <a:lstStyle/>
+                    <a:p>
+                      <a:pPr>
+                        <a:lnSpc>
+                          <a:spcPct val="115000"/>
+                        </a:lnSpc>
+                        <a:spcAft>
+                          <a:spcPts val="600"/>
+                        </a:spcAft>
+                      </a:pPr>
+                      <a:r>
+                        <a:rPr lang="nl-NL" sz="2400" dirty="0">
+                          <a:effectLst/>
+                        </a:rPr>
+                        <a:t> </a:t>
+                      </a:r>
+                      <a:r>
+                        <a:rPr lang="tr-TR" sz="2400" dirty="0" err="1">
+                          <a:effectLst/>
+                        </a:rPr>
+                        <a:t>niet</a:t>
+                      </a:r>
+                      <a:r>
+                        <a:rPr lang="tr-TR" sz="2400" dirty="0">
+                          <a:effectLst/>
+                        </a:rPr>
+                        <a:t> </a:t>
+                      </a:r>
+                      <a:r>
+                        <a:rPr lang="tr-TR" sz="2400" dirty="0" err="1">
+                          <a:effectLst/>
+                        </a:rPr>
+                        <a:t>nodig</a:t>
+                      </a:r>
+                      <a:endParaRPr lang="nl-NL" sz="2400" dirty="0">
+                        <a:effectLst/>
+                        <a:latin typeface="Calibri" panose="020F0502020204030204" pitchFamily="34" charset="0"/>
+                        <a:ea typeface="Calibri" panose="020F0502020204030204" pitchFamily="34" charset="0"/>
+                        <a:cs typeface="Times New Roman" panose="02020603050405020304" pitchFamily="18" charset="0"/>
+                      </a:endParaRPr>
+                    </a:p>
+                  </a:txBody>
+                  <a:tcPr marL="68580" marR="68580" marT="0" marB="0"/>
+                </a:tc>
+                <a:tc hMerge="1">
+                  <a:txBody>
+                    <a:bodyPr/>
+                    <a:lstStyle/>
+                    <a:p>
+                      <a:endParaRPr lang="nl-NL"/>
+                    </a:p>
+                  </a:txBody>
+                  <a:tcPr/>
+                </a:tc>
+                <a:tc hMerge="1">
+                  <a:txBody>
+                    <a:bodyPr/>
+                    <a:lstStyle/>
+                    <a:p>
+                      <a:endParaRPr lang="nl-NL"/>
+                    </a:p>
+                  </a:txBody>
+                  <a:tcPr/>
+                </a:tc>
+                <a:tc hMerge="1">
+                  <a:txBody>
+                    <a:bodyPr/>
+                    <a:lstStyle/>
+                    <a:p>
+                      <a:endParaRPr lang="nl-NL"/>
+                    </a:p>
+                  </a:txBody>
+                  <a:tcPr/>
+                </a:tc>
+                <a:tc hMerge="1">
+                  <a:txBody>
+                    <a:bodyPr/>
+                    <a:lstStyle/>
+                    <a:p>
+                      <a:endParaRPr lang="nl-NL"/>
+                    </a:p>
+                  </a:txBody>
+                  <a:tcPr/>
+                </a:tc>
+                <a:tc hMerge="1">
+                  <a:txBody>
+                    <a:bodyPr/>
+                    <a:lstStyle/>
+                    <a:p>
+                      <a:endParaRPr lang="nl-NL"/>
+                    </a:p>
+                  </a:txBody>
+                  <a:tcPr/>
+                </a:tc>
+                <a:extLst>
+                  <a:ext uri="{0D108BD9-81ED-4DB2-BD59-A6C34878D82A}">
+                    <a16:rowId xmlns:a16="http://schemas.microsoft.com/office/drawing/2014/main" val="2166289208"/>
+                  </a:ext>
+                </a:extLst>
+              </a:tr>
+              <a:tr h="1143000">
+                <a:tc>
+                  <a:txBody>
+                    <a:bodyPr/>
+                    <a:lstStyle/>
+                    <a:p>
+                      <a:pPr>
+                        <a:lnSpc>
+                          <a:spcPct val="115000"/>
+                        </a:lnSpc>
+                        <a:spcAft>
+                          <a:spcPts val="600"/>
+                        </a:spcAft>
+                      </a:pPr>
+                      <a:r>
+                        <a:rPr lang="nl-NL" sz="2400" dirty="0">
+                          <a:effectLst/>
+                        </a:rPr>
+                        <a:t>Uitvoering</a:t>
+                      </a:r>
+                      <a:endParaRPr lang="nl-NL" sz="2400" dirty="0">
+                        <a:effectLst/>
+                        <a:latin typeface="Calibri" panose="020F0502020204030204" pitchFamily="34" charset="0"/>
+                        <a:ea typeface="Calibri" panose="020F0502020204030204" pitchFamily="34" charset="0"/>
+                        <a:cs typeface="Times New Roman" panose="02020603050405020304" pitchFamily="18" charset="0"/>
+                      </a:endParaRPr>
+                    </a:p>
+                  </a:txBody>
+                  <a:tcPr marL="68580" marR="68580" marT="0" marB="0"/>
+                </a:tc>
+                <a:tc>
+                  <a:txBody>
+                    <a:bodyPr/>
+                    <a:lstStyle/>
+                    <a:p>
+                      <a:pPr>
+                        <a:lnSpc>
+                          <a:spcPct val="106000"/>
+                        </a:lnSpc>
+                        <a:spcAft>
+                          <a:spcPts val="600"/>
+                        </a:spcAft>
+                      </a:pPr>
+                      <a:r>
+                        <a:rPr lang="nl-NL" sz="2400" dirty="0">
+                          <a:effectLst/>
+                        </a:rPr>
+                        <a:t>Uren</a:t>
+                      </a:r>
+                      <a:endParaRPr lang="nl-NL" sz="2400" dirty="0">
+                        <a:effectLst/>
+                        <a:latin typeface="Calibri" panose="020F0502020204030204" pitchFamily="34" charset="0"/>
+                        <a:ea typeface="Calibri" panose="020F0502020204030204" pitchFamily="34" charset="0"/>
+                        <a:cs typeface="Times New Roman" panose="02020603050405020304" pitchFamily="18" charset="0"/>
+                      </a:endParaRPr>
+                    </a:p>
+                  </a:txBody>
+                  <a:tcPr marL="68580" marR="68580" marT="0" marB="0"/>
+                </a:tc>
+                <a:tc>
+                  <a:txBody>
+                    <a:bodyPr/>
+                    <a:lstStyle/>
+                    <a:p>
+                      <a:pPr>
+                        <a:lnSpc>
+                          <a:spcPct val="106000"/>
+                        </a:lnSpc>
+                        <a:spcAft>
+                          <a:spcPts val="600"/>
+                        </a:spcAft>
+                      </a:pPr>
+                      <a:endParaRPr lang="nl-NL" sz="2400" dirty="0">
+                        <a:effectLst/>
+                        <a:latin typeface="Calibri" panose="020F0502020204030204" pitchFamily="34" charset="0"/>
+                        <a:ea typeface="Calibri" panose="020F0502020204030204" pitchFamily="34" charset="0"/>
+                        <a:cs typeface="Times New Roman" panose="02020603050405020304" pitchFamily="18" charset="0"/>
+                      </a:endParaRPr>
+                    </a:p>
+                  </a:txBody>
+                  <a:tcPr marL="68580" marR="68580" marT="0" marB="0"/>
+                </a:tc>
+                <a:tc>
+                  <a:txBody>
+                    <a:bodyPr/>
+                    <a:lstStyle/>
+                    <a:p>
+                      <a:pPr>
+                        <a:lnSpc>
+                          <a:spcPct val="115000"/>
+                        </a:lnSpc>
+                        <a:spcAft>
+                          <a:spcPts val="600"/>
+                        </a:spcAft>
+                      </a:pPr>
+                      <a:r>
+                        <a:rPr lang="nl-NL" sz="2400" dirty="0">
+                          <a:effectLst/>
+                        </a:rPr>
+                        <a:t>Prioriteit</a:t>
+                      </a:r>
+                      <a:r>
+                        <a:rPr lang="nl-NL" sz="2400" baseline="30000" dirty="0">
+                          <a:effectLst/>
+                        </a:rPr>
+                        <a:t>*</a:t>
+                      </a:r>
+                      <a:endParaRPr lang="nl-NL" sz="2400" dirty="0">
+                        <a:effectLst/>
+                        <a:latin typeface="Calibri" panose="020F0502020204030204" pitchFamily="34" charset="0"/>
+                        <a:ea typeface="Calibri" panose="020F0502020204030204" pitchFamily="34" charset="0"/>
+                        <a:cs typeface="Times New Roman" panose="02020603050405020304" pitchFamily="18" charset="0"/>
+                      </a:endParaRPr>
+                    </a:p>
+                  </a:txBody>
+                  <a:tcPr marL="68580" marR="68580" marT="0" marB="0"/>
+                </a:tc>
+                <a:tc>
+                  <a:txBody>
+                    <a:bodyPr/>
+                    <a:lstStyle/>
+                    <a:p>
+                      <a:pPr>
+                        <a:lnSpc>
+                          <a:spcPct val="115000"/>
+                        </a:lnSpc>
+                        <a:spcAft>
+                          <a:spcPts val="600"/>
+                        </a:spcAft>
+                      </a:pPr>
+                      <a:endParaRPr lang="nl-NL" sz="2400" dirty="0">
+                        <a:effectLst/>
+                        <a:latin typeface="Calibri" panose="020F0502020204030204" pitchFamily="34" charset="0"/>
+                        <a:ea typeface="Calibri" panose="020F0502020204030204" pitchFamily="34" charset="0"/>
+                        <a:cs typeface="Times New Roman" panose="02020603050405020304" pitchFamily="18" charset="0"/>
+                      </a:endParaRPr>
+                    </a:p>
+                  </a:txBody>
+                  <a:tcPr marL="68580" marR="68580" marT="0" marB="0"/>
+                </a:tc>
+                <a:tc>
+                  <a:txBody>
+                    <a:bodyPr/>
+                    <a:lstStyle/>
+                    <a:p>
+                      <a:pPr>
+                        <a:lnSpc>
+                          <a:spcPct val="115000"/>
+                        </a:lnSpc>
+                        <a:spcAft>
+                          <a:spcPts val="600"/>
+                        </a:spcAft>
+                      </a:pPr>
+                      <a:r>
+                        <a:rPr lang="nl-NL" sz="2400" dirty="0">
+                          <a:effectLst/>
+                        </a:rPr>
+                        <a:t>Door</a:t>
+                      </a:r>
+                      <a:endParaRPr lang="nl-NL" sz="2400" dirty="0">
+                        <a:effectLst/>
+                        <a:latin typeface="Calibri" panose="020F0502020204030204" pitchFamily="34" charset="0"/>
+                        <a:ea typeface="Calibri" panose="020F0502020204030204" pitchFamily="34" charset="0"/>
+                        <a:cs typeface="Times New Roman" panose="02020603050405020304" pitchFamily="18" charset="0"/>
+                      </a:endParaRPr>
+                    </a:p>
+                  </a:txBody>
+                  <a:tcPr marL="68580" marR="68580" marT="0" marB="0"/>
+                </a:tc>
+                <a:tc>
+                  <a:txBody>
+                    <a:bodyPr/>
+                    <a:lstStyle/>
+                    <a:p>
+                      <a:pPr>
+                        <a:lnSpc>
+                          <a:spcPct val="115000"/>
+                        </a:lnSpc>
+                        <a:spcAft>
+                          <a:spcPts val="600"/>
+                        </a:spcAft>
+                      </a:pPr>
+                      <a:r>
+                        <a:rPr lang="nl-NL" sz="2400" dirty="0">
+                          <a:effectLst/>
+                        </a:rPr>
+                        <a:t> </a:t>
+                      </a:r>
+                      <a:endParaRPr lang="nl-NL" sz="2400" dirty="0">
+                        <a:effectLst/>
+                        <a:latin typeface="Calibri" panose="020F0502020204030204" pitchFamily="34" charset="0"/>
+                        <a:ea typeface="Calibri" panose="020F0502020204030204" pitchFamily="34" charset="0"/>
+                        <a:cs typeface="Times New Roman" panose="02020603050405020304" pitchFamily="18" charset="0"/>
+                      </a:endParaRPr>
+                    </a:p>
+                  </a:txBody>
+                  <a:tcPr marL="68580" marR="68580" marT="0" marB="0"/>
+                </a:tc>
+                <a:extLst>
+                  <a:ext uri="{0D108BD9-81ED-4DB2-BD59-A6C34878D82A}">
+                    <a16:rowId xmlns:a16="http://schemas.microsoft.com/office/drawing/2014/main" val="3096493619"/>
+                  </a:ext>
+                </a:extLst>
+              </a:tr>
+            </a:tbl>
+          </a:graphicData>
+        </a:graphic>
+      </p:graphicFrame>
+    </p:spTree>
+    <p:extLst>
+      <p:ext uri="{BB962C8B-B14F-4D97-AF65-F5344CB8AC3E}">
+        <p14:creationId xmlns:p14="http://schemas.microsoft.com/office/powerpoint/2010/main" val="2819010275"/>
+      </p:ext>
+    </p:extLst>
+  </p:cSld>
+  <p:clrMapOvr>
+    <a:masterClrMapping/>
+  </p:clrMapOvr>
+</p:sld>
+</file>
+
 <file path=ppt/theme/theme1.xml><?xml version="1.0" encoding="utf-8"?>
 <a:theme xmlns:a="http://schemas.openxmlformats.org/drawingml/2006/main" name="Kantoorthema">
   <a:themeElements>
